--- a/figs/figs.pptx
+++ b/figs/figs.pptx
@@ -128,7 +128,7 @@
   </p:defaultTextStyle>
   <p:extLst>
     <p:ext uri="{EFAFB233-063F-42B5-8137-9DF3F51BA10A}">
-      <p15:sldGuideLst xmlns="" xmlns:p15="http://schemas.microsoft.com/office/powerpoint/2012/main">
+      <p15:sldGuideLst xmlns:p15="http://schemas.microsoft.com/office/powerpoint/2012/main">
         <p15:guide id="1" orient="horz" pos="2160">
           <p15:clr>
             <a:srgbClr val="A4A3A4"/>
@@ -227,7 +227,7 @@
           <a:p>
             <a:fld id="{347ECA95-75C3-5E48-946C-F7960CA43F88}" type="datetimeFigureOut">
               <a:rPr lang="en-US" smtClean="0"/>
-              <a:t>5/23/16</a:t>
+              <a:t>7/12/16</a:t>
             </a:fld>
             <a:endParaRPr lang="en-US"/>
           </a:p>
@@ -844,7 +844,7 @@
           <a:p>
             <a:fld id="{73A4B2A3-D9DC-064E-90FE-771C025222F9}" type="datetimeFigureOut">
               <a:rPr lang="en-US" smtClean="0"/>
-              <a:t>5/23/16</a:t>
+              <a:t>7/12/16</a:t>
             </a:fld>
             <a:endParaRPr lang="en-US"/>
           </a:p>
@@ -1014,7 +1014,7 @@
           <a:p>
             <a:fld id="{73A4B2A3-D9DC-064E-90FE-771C025222F9}" type="datetimeFigureOut">
               <a:rPr lang="en-US" smtClean="0"/>
-              <a:t>5/23/16</a:t>
+              <a:t>7/12/16</a:t>
             </a:fld>
             <a:endParaRPr lang="en-US"/>
           </a:p>
@@ -1194,7 +1194,7 @@
           <a:p>
             <a:fld id="{73A4B2A3-D9DC-064E-90FE-771C025222F9}" type="datetimeFigureOut">
               <a:rPr lang="en-US" smtClean="0"/>
-              <a:t>5/23/16</a:t>
+              <a:t>7/12/16</a:t>
             </a:fld>
             <a:endParaRPr lang="en-US"/>
           </a:p>
@@ -1364,7 +1364,7 @@
           <a:p>
             <a:fld id="{73A4B2A3-D9DC-064E-90FE-771C025222F9}" type="datetimeFigureOut">
               <a:rPr lang="en-US" smtClean="0"/>
-              <a:t>5/23/16</a:t>
+              <a:t>7/12/16</a:t>
             </a:fld>
             <a:endParaRPr lang="en-US"/>
           </a:p>
@@ -1610,7 +1610,7 @@
           <a:p>
             <a:fld id="{73A4B2A3-D9DC-064E-90FE-771C025222F9}" type="datetimeFigureOut">
               <a:rPr lang="en-US" smtClean="0"/>
-              <a:t>5/23/16</a:t>
+              <a:t>7/12/16</a:t>
             </a:fld>
             <a:endParaRPr lang="en-US"/>
           </a:p>
@@ -1898,7 +1898,7 @@
           <a:p>
             <a:fld id="{73A4B2A3-D9DC-064E-90FE-771C025222F9}" type="datetimeFigureOut">
               <a:rPr lang="en-US" smtClean="0"/>
-              <a:t>5/23/16</a:t>
+              <a:t>7/12/16</a:t>
             </a:fld>
             <a:endParaRPr lang="en-US"/>
           </a:p>
@@ -2320,7 +2320,7 @@
           <a:p>
             <a:fld id="{73A4B2A3-D9DC-064E-90FE-771C025222F9}" type="datetimeFigureOut">
               <a:rPr lang="en-US" smtClean="0"/>
-              <a:t>5/23/16</a:t>
+              <a:t>7/12/16</a:t>
             </a:fld>
             <a:endParaRPr lang="en-US"/>
           </a:p>
@@ -2438,7 +2438,7 @@
           <a:p>
             <a:fld id="{73A4B2A3-D9DC-064E-90FE-771C025222F9}" type="datetimeFigureOut">
               <a:rPr lang="en-US" smtClean="0"/>
-              <a:t>5/23/16</a:t>
+              <a:t>7/12/16</a:t>
             </a:fld>
             <a:endParaRPr lang="en-US"/>
           </a:p>
@@ -2533,7 +2533,7 @@
           <a:p>
             <a:fld id="{73A4B2A3-D9DC-064E-90FE-771C025222F9}" type="datetimeFigureOut">
               <a:rPr lang="en-US" smtClean="0"/>
-              <a:t>5/23/16</a:t>
+              <a:t>7/12/16</a:t>
             </a:fld>
             <a:endParaRPr lang="en-US"/>
           </a:p>
@@ -2810,7 +2810,7 @@
           <a:p>
             <a:fld id="{73A4B2A3-D9DC-064E-90FE-771C025222F9}" type="datetimeFigureOut">
               <a:rPr lang="en-US" smtClean="0"/>
-              <a:t>5/23/16</a:t>
+              <a:t>7/12/16</a:t>
             </a:fld>
             <a:endParaRPr lang="en-US"/>
           </a:p>
@@ -3063,7 +3063,7 @@
           <a:p>
             <a:fld id="{73A4B2A3-D9DC-064E-90FE-771C025222F9}" type="datetimeFigureOut">
               <a:rPr lang="en-US" smtClean="0"/>
-              <a:t>5/23/16</a:t>
+              <a:t>7/12/16</a:t>
             </a:fld>
             <a:endParaRPr lang="en-US"/>
           </a:p>
@@ -3276,7 +3276,7 @@
           <a:p>
             <a:fld id="{73A4B2A3-D9DC-064E-90FE-771C025222F9}" type="datetimeFigureOut">
               <a:rPr lang="en-US" smtClean="0"/>
-              <a:t>5/23/16</a:t>
+              <a:t>7/12/16</a:t>
             </a:fld>
             <a:endParaRPr lang="en-US"/>
           </a:p>
@@ -13022,2173 +13022,1905 @@
           <a:chExt cx="0" cy="0"/>
         </a:xfrm>
       </p:grpSpPr>
+      <p:cxnSp>
+        <p:nvCxnSpPr>
+          <p:cNvPr id="51" name="Straight Connector 50"/>
+          <p:cNvCxnSpPr/>
+          <p:nvPr/>
+        </p:nvCxnSpPr>
+        <p:spPr>
+          <a:xfrm flipV="1">
+            <a:off x="35688" y="1030149"/>
+            <a:ext cx="1163141" cy="1790702"/>
+          </a:xfrm>
+          <a:prstGeom prst="line">
+            <a:avLst/>
+          </a:prstGeom>
+          <a:ln w="50800">
+            <a:solidFill>
+              <a:srgbClr val="FF0000"/>
+            </a:solidFill>
+            <a:prstDash val="sysDot"/>
+          </a:ln>
+          <a:effectLst/>
+        </p:spPr>
+        <p:style>
+          <a:lnRef idx="2">
+            <a:schemeClr val="accent1"/>
+          </a:lnRef>
+          <a:fillRef idx="0">
+            <a:schemeClr val="accent1"/>
+          </a:fillRef>
+          <a:effectRef idx="1">
+            <a:schemeClr val="accent1"/>
+          </a:effectRef>
+          <a:fontRef idx="minor">
+            <a:schemeClr val="tx1"/>
+          </a:fontRef>
+        </p:style>
+      </p:cxnSp>
+      <p:cxnSp>
+        <p:nvCxnSpPr>
+          <p:cNvPr id="31" name="Straight Connector 30"/>
+          <p:cNvCxnSpPr/>
+          <p:nvPr/>
+        </p:nvCxnSpPr>
+        <p:spPr>
+          <a:xfrm flipV="1">
+            <a:off x="910420" y="1030149"/>
+            <a:ext cx="2142643" cy="3125833"/>
+          </a:xfrm>
+          <a:prstGeom prst="line">
+            <a:avLst/>
+          </a:prstGeom>
+          <a:ln w="50800">
+            <a:solidFill>
+              <a:srgbClr val="3899FF"/>
+            </a:solidFill>
+          </a:ln>
+          <a:effectLst/>
+        </p:spPr>
+        <p:style>
+          <a:lnRef idx="2">
+            <a:schemeClr val="accent1"/>
+          </a:lnRef>
+          <a:fillRef idx="0">
+            <a:schemeClr val="accent1"/>
+          </a:fillRef>
+          <a:effectRef idx="1">
+            <a:schemeClr val="accent1"/>
+          </a:effectRef>
+          <a:fontRef idx="minor">
+            <a:schemeClr val="tx1"/>
+          </a:fontRef>
+        </p:style>
+      </p:cxnSp>
+      <p:sp>
+        <p:nvSpPr>
+          <p:cNvPr id="95" name="Oval 94"/>
+          <p:cNvSpPr/>
+          <p:nvPr/>
+        </p:nvSpPr>
+        <p:spPr>
+          <a:xfrm>
+            <a:off x="2026560" y="1259022"/>
+            <a:ext cx="298809" cy="298809"/>
+          </a:xfrm>
+          <a:prstGeom prst="ellipse">
+            <a:avLst/>
+          </a:prstGeom>
+          <a:solidFill>
+            <a:srgbClr val="00B050"/>
+          </a:solidFill>
+          <a:ln>
+            <a:noFill/>
+          </a:ln>
+          <a:effectLst/>
+        </p:spPr>
+        <p:style>
+          <a:lnRef idx="1">
+            <a:schemeClr val="accent1"/>
+          </a:lnRef>
+          <a:fillRef idx="3">
+            <a:schemeClr val="accent1"/>
+          </a:fillRef>
+          <a:effectRef idx="2">
+            <a:schemeClr val="accent1"/>
+          </a:effectRef>
+          <a:fontRef idx="minor">
+            <a:schemeClr val="lt1"/>
+          </a:fontRef>
+        </p:style>
+        <p:txBody>
+          <a:bodyPr rtlCol="0" anchor="ctr"/>
+          <a:lstStyle/>
+          <a:p>
+            <a:pPr algn="ctr"/>
+            <a:endParaRPr lang="en-US"/>
+          </a:p>
+        </p:txBody>
+      </p:sp>
+      <p:sp>
+        <p:nvSpPr>
+          <p:cNvPr id="96" name="Oval 95"/>
+          <p:cNvSpPr/>
+          <p:nvPr/>
+        </p:nvSpPr>
+        <p:spPr>
+          <a:xfrm>
+            <a:off x="2921673" y="1169424"/>
+            <a:ext cx="298809" cy="298809"/>
+          </a:xfrm>
+          <a:prstGeom prst="ellipse">
+            <a:avLst/>
+          </a:prstGeom>
+          <a:solidFill>
+            <a:srgbClr val="00B050"/>
+          </a:solidFill>
+          <a:ln>
+            <a:noFill/>
+          </a:ln>
+          <a:effectLst/>
+        </p:spPr>
+        <p:style>
+          <a:lnRef idx="1">
+            <a:schemeClr val="accent1"/>
+          </a:lnRef>
+          <a:fillRef idx="3">
+            <a:schemeClr val="accent1"/>
+          </a:fillRef>
+          <a:effectRef idx="2">
+            <a:schemeClr val="accent1"/>
+          </a:effectRef>
+          <a:fontRef idx="minor">
+            <a:schemeClr val="lt1"/>
+          </a:fontRef>
+        </p:style>
+        <p:txBody>
+          <a:bodyPr rtlCol="0" anchor="ctr"/>
+          <a:lstStyle/>
+          <a:p>
+            <a:pPr algn="ctr"/>
+            <a:endParaRPr lang="en-US"/>
+          </a:p>
+        </p:txBody>
+      </p:sp>
+      <p:sp>
+        <p:nvSpPr>
+          <p:cNvPr id="97" name="Oval 96"/>
+          <p:cNvSpPr/>
+          <p:nvPr/>
+        </p:nvSpPr>
+        <p:spPr>
+          <a:xfrm>
+            <a:off x="2099835" y="1895000"/>
+            <a:ext cx="298809" cy="298809"/>
+          </a:xfrm>
+          <a:prstGeom prst="ellipse">
+            <a:avLst/>
+          </a:prstGeom>
+          <a:solidFill>
+            <a:srgbClr val="00B050"/>
+          </a:solidFill>
+          <a:ln>
+            <a:noFill/>
+          </a:ln>
+          <a:effectLst/>
+        </p:spPr>
+        <p:style>
+          <a:lnRef idx="1">
+            <a:schemeClr val="accent1"/>
+          </a:lnRef>
+          <a:fillRef idx="3">
+            <a:schemeClr val="accent1"/>
+          </a:fillRef>
+          <a:effectRef idx="2">
+            <a:schemeClr val="accent1"/>
+          </a:effectRef>
+          <a:fontRef idx="minor">
+            <a:schemeClr val="lt1"/>
+          </a:fontRef>
+        </p:style>
+        <p:txBody>
+          <a:bodyPr rtlCol="0" anchor="ctr"/>
+          <a:lstStyle/>
+          <a:p>
+            <a:pPr algn="ctr"/>
+            <a:endParaRPr lang="en-US"/>
+          </a:p>
+        </p:txBody>
+      </p:sp>
+      <p:sp>
+        <p:nvSpPr>
+          <p:cNvPr id="98" name="Oval 97"/>
+          <p:cNvSpPr/>
+          <p:nvPr/>
+        </p:nvSpPr>
+        <p:spPr>
+          <a:xfrm>
+            <a:off x="2520459" y="2023016"/>
+            <a:ext cx="298809" cy="298809"/>
+          </a:xfrm>
+          <a:prstGeom prst="ellipse">
+            <a:avLst/>
+          </a:prstGeom>
+          <a:solidFill>
+            <a:srgbClr val="00B050"/>
+          </a:solidFill>
+          <a:ln>
+            <a:noFill/>
+          </a:ln>
+          <a:effectLst/>
+        </p:spPr>
+        <p:style>
+          <a:lnRef idx="1">
+            <a:schemeClr val="accent1"/>
+          </a:lnRef>
+          <a:fillRef idx="3">
+            <a:schemeClr val="accent1"/>
+          </a:fillRef>
+          <a:effectRef idx="2">
+            <a:schemeClr val="accent1"/>
+          </a:effectRef>
+          <a:fontRef idx="minor">
+            <a:schemeClr val="lt1"/>
+          </a:fontRef>
+        </p:style>
+        <p:txBody>
+          <a:bodyPr rtlCol="0" anchor="ctr"/>
+          <a:lstStyle/>
+          <a:p>
+            <a:pPr algn="ctr"/>
+            <a:endParaRPr lang="en-US"/>
+          </a:p>
+        </p:txBody>
+      </p:sp>
+      <p:sp>
+        <p:nvSpPr>
+          <p:cNvPr id="99" name="Oval 98"/>
+          <p:cNvSpPr/>
+          <p:nvPr/>
+        </p:nvSpPr>
+        <p:spPr>
+          <a:xfrm>
+            <a:off x="2246139" y="2394872"/>
+            <a:ext cx="298809" cy="298809"/>
+          </a:xfrm>
+          <a:prstGeom prst="ellipse">
+            <a:avLst/>
+          </a:prstGeom>
+          <a:solidFill>
+            <a:srgbClr val="00B050"/>
+          </a:solidFill>
+          <a:ln>
+            <a:noFill/>
+          </a:ln>
+          <a:effectLst/>
+        </p:spPr>
+        <p:style>
+          <a:lnRef idx="1">
+            <a:schemeClr val="accent1"/>
+          </a:lnRef>
+          <a:fillRef idx="3">
+            <a:schemeClr val="accent1"/>
+          </a:fillRef>
+          <a:effectRef idx="2">
+            <a:schemeClr val="accent1"/>
+          </a:effectRef>
+          <a:fontRef idx="minor">
+            <a:schemeClr val="lt1"/>
+          </a:fontRef>
+        </p:style>
+        <p:txBody>
+          <a:bodyPr rtlCol="0" anchor="ctr"/>
+          <a:lstStyle/>
+          <a:p>
+            <a:pPr algn="ctr"/>
+            <a:endParaRPr lang="en-US"/>
+          </a:p>
+        </p:txBody>
+      </p:sp>
+      <p:cxnSp>
+        <p:nvCxnSpPr>
+          <p:cNvPr id="76" name="Straight Connector 75"/>
+          <p:cNvCxnSpPr/>
+          <p:nvPr/>
+        </p:nvCxnSpPr>
+        <p:spPr>
+          <a:xfrm flipH="1" flipV="1">
+            <a:off x="9935438" y="873797"/>
+            <a:ext cx="1125231" cy="2897958"/>
+          </a:xfrm>
+          <a:prstGeom prst="line">
+            <a:avLst/>
+          </a:prstGeom>
+          <a:ln w="50800">
+            <a:solidFill>
+              <a:srgbClr val="FF0000"/>
+            </a:solidFill>
+            <a:prstDash val="sysDot"/>
+          </a:ln>
+          <a:effectLst/>
+        </p:spPr>
+        <p:style>
+          <a:lnRef idx="2">
+            <a:schemeClr val="accent1"/>
+          </a:lnRef>
+          <a:fillRef idx="0">
+            <a:schemeClr val="accent1"/>
+          </a:fillRef>
+          <a:effectRef idx="1">
+            <a:schemeClr val="accent1"/>
+          </a:effectRef>
+          <a:fontRef idx="minor">
+            <a:schemeClr val="tx1"/>
+          </a:fontRef>
+        </p:style>
+      </p:cxnSp>
+      <p:cxnSp>
+        <p:nvCxnSpPr>
+          <p:cNvPr id="12" name="Straight Arrow Connector 11"/>
+          <p:cNvCxnSpPr/>
+          <p:nvPr/>
+        </p:nvCxnSpPr>
+        <p:spPr>
+          <a:xfrm flipV="1">
+            <a:off x="1248" y="1017873"/>
+            <a:ext cx="0" cy="3116380"/>
+          </a:xfrm>
+          <a:prstGeom prst="straightConnector1">
+            <a:avLst/>
+          </a:prstGeom>
+          <a:ln w="50800">
+            <a:solidFill>
+              <a:schemeClr val="tx1"/>
+            </a:solidFill>
+            <a:tailEnd type="triangle"/>
+          </a:ln>
+          <a:effectLst/>
+        </p:spPr>
+        <p:style>
+          <a:lnRef idx="2">
+            <a:schemeClr val="accent1"/>
+          </a:lnRef>
+          <a:fillRef idx="0">
+            <a:schemeClr val="accent1"/>
+          </a:fillRef>
+          <a:effectRef idx="1">
+            <a:schemeClr val="accent1"/>
+          </a:effectRef>
+          <a:fontRef idx="minor">
+            <a:schemeClr val="tx1"/>
+          </a:fontRef>
+        </p:style>
+      </p:cxnSp>
+      <p:cxnSp>
+        <p:nvCxnSpPr>
+          <p:cNvPr id="13" name="Straight Arrow Connector 12"/>
+          <p:cNvCxnSpPr/>
+          <p:nvPr/>
+        </p:nvCxnSpPr>
+        <p:spPr>
+          <a:xfrm flipV="1">
+            <a:off x="1248" y="4112792"/>
+            <a:ext cx="3482804" cy="21461"/>
+          </a:xfrm>
+          <a:prstGeom prst="straightConnector1">
+            <a:avLst/>
+          </a:prstGeom>
+          <a:ln w="50800">
+            <a:solidFill>
+              <a:schemeClr val="tx1"/>
+            </a:solidFill>
+            <a:tailEnd type="triangle"/>
+          </a:ln>
+          <a:effectLst/>
+        </p:spPr>
+        <p:style>
+          <a:lnRef idx="2">
+            <a:schemeClr val="accent1"/>
+          </a:lnRef>
+          <a:fillRef idx="0">
+            <a:schemeClr val="accent1"/>
+          </a:fillRef>
+          <a:effectRef idx="1">
+            <a:schemeClr val="accent1"/>
+          </a:effectRef>
+          <a:fontRef idx="minor">
+            <a:schemeClr val="tx1"/>
+          </a:fontRef>
+        </p:style>
+      </p:cxnSp>
+      <p:sp>
+        <p:nvSpPr>
+          <p:cNvPr id="33" name="TextBox 32"/>
+          <p:cNvSpPr txBox="1"/>
+          <p:nvPr/>
+        </p:nvSpPr>
+        <p:spPr>
+          <a:xfrm>
+            <a:off x="298329" y="4174067"/>
+            <a:ext cx="2685351" cy="461665"/>
+          </a:xfrm>
+          <a:prstGeom prst="rect">
+            <a:avLst/>
+          </a:prstGeom>
+          <a:noFill/>
+        </p:spPr>
+        <p:txBody>
+          <a:bodyPr wrap="none" rtlCol="0">
+            <a:spAutoFit/>
+          </a:bodyPr>
+          <a:lstStyle/>
+          <a:p>
+            <a:r>
+              <a:rPr lang="en-US" sz="2400" dirty="0" smtClean="0">
+                <a:latin typeface="Gill Sans"/>
+                <a:cs typeface="Gill Sans"/>
+              </a:rPr>
+              <a:t>(a) Systematic Error</a:t>
+            </a:r>
+            <a:endParaRPr lang="en-US" sz="2400" dirty="0">
+              <a:latin typeface="Gill Sans"/>
+              <a:cs typeface="Gill Sans"/>
+            </a:endParaRPr>
+          </a:p>
+        </p:txBody>
+      </p:sp>
+      <p:cxnSp>
+        <p:nvCxnSpPr>
+          <p:cNvPr id="34" name="Straight Arrow Connector 33"/>
+          <p:cNvCxnSpPr/>
+          <p:nvPr/>
+        </p:nvCxnSpPr>
+        <p:spPr>
+          <a:xfrm flipV="1">
+            <a:off x="3885225" y="988042"/>
+            <a:ext cx="0" cy="3116380"/>
+          </a:xfrm>
+          <a:prstGeom prst="straightConnector1">
+            <a:avLst/>
+          </a:prstGeom>
+          <a:ln w="50800">
+            <a:solidFill>
+              <a:schemeClr val="tx1"/>
+            </a:solidFill>
+            <a:tailEnd type="triangle"/>
+          </a:ln>
+          <a:effectLst/>
+        </p:spPr>
+        <p:style>
+          <a:lnRef idx="2">
+            <a:schemeClr val="accent1"/>
+          </a:lnRef>
+          <a:fillRef idx="0">
+            <a:schemeClr val="accent1"/>
+          </a:fillRef>
+          <a:effectRef idx="1">
+            <a:schemeClr val="accent1"/>
+          </a:effectRef>
+          <a:fontRef idx="minor">
+            <a:schemeClr val="tx1"/>
+          </a:fontRef>
+        </p:style>
+      </p:cxnSp>
+      <p:cxnSp>
+        <p:nvCxnSpPr>
+          <p:cNvPr id="35" name="Straight Arrow Connector 34"/>
+          <p:cNvCxnSpPr/>
+          <p:nvPr/>
+        </p:nvCxnSpPr>
+        <p:spPr>
+          <a:xfrm flipV="1">
+            <a:off x="3885225" y="4082961"/>
+            <a:ext cx="3482804" cy="21461"/>
+          </a:xfrm>
+          <a:prstGeom prst="straightConnector1">
+            <a:avLst/>
+          </a:prstGeom>
+          <a:ln w="50800">
+            <a:solidFill>
+              <a:schemeClr val="tx1"/>
+            </a:solidFill>
+            <a:tailEnd type="triangle"/>
+          </a:ln>
+          <a:effectLst/>
+        </p:spPr>
+        <p:style>
+          <a:lnRef idx="2">
+            <a:schemeClr val="accent1"/>
+          </a:lnRef>
+          <a:fillRef idx="0">
+            <a:schemeClr val="accent1"/>
+          </a:fillRef>
+          <a:effectRef idx="1">
+            <a:schemeClr val="accent1"/>
+          </a:effectRef>
+          <a:fontRef idx="minor">
+            <a:schemeClr val="tx1"/>
+          </a:fontRef>
+        </p:style>
+      </p:cxnSp>
+      <p:cxnSp>
+        <p:nvCxnSpPr>
+          <p:cNvPr id="42" name="Straight Connector 41"/>
+          <p:cNvCxnSpPr/>
+          <p:nvPr/>
+        </p:nvCxnSpPr>
+        <p:spPr>
+          <a:xfrm flipH="1" flipV="1">
+            <a:off x="3885225" y="1197550"/>
+            <a:ext cx="3460202" cy="1885507"/>
+          </a:xfrm>
+          <a:prstGeom prst="line">
+            <a:avLst/>
+          </a:prstGeom>
+          <a:ln w="50800">
+            <a:solidFill>
+              <a:srgbClr val="FF0000"/>
+            </a:solidFill>
+            <a:prstDash val="sysDot"/>
+          </a:ln>
+          <a:effectLst/>
+        </p:spPr>
+        <p:style>
+          <a:lnRef idx="2">
+            <a:schemeClr val="accent1"/>
+          </a:lnRef>
+          <a:fillRef idx="0">
+            <a:schemeClr val="accent1"/>
+          </a:fillRef>
+          <a:effectRef idx="1">
+            <a:schemeClr val="accent1"/>
+          </a:effectRef>
+          <a:fontRef idx="minor">
+            <a:schemeClr val="tx1"/>
+          </a:fontRef>
+        </p:style>
+      </p:cxnSp>
+      <p:sp>
+        <p:nvSpPr>
+          <p:cNvPr id="43" name="TextBox 42"/>
+          <p:cNvSpPr txBox="1"/>
+          <p:nvPr/>
+        </p:nvSpPr>
+        <p:spPr>
+          <a:xfrm>
+            <a:off x="3885225" y="4178407"/>
+            <a:ext cx="3460202" cy="461665"/>
+          </a:xfrm>
+          <a:prstGeom prst="rect">
+            <a:avLst/>
+          </a:prstGeom>
+          <a:noFill/>
+        </p:spPr>
+        <p:txBody>
+          <a:bodyPr wrap="none" rtlCol="0">
+            <a:spAutoFit/>
+          </a:bodyPr>
+          <a:lstStyle/>
+          <a:p>
+            <a:r>
+              <a:rPr lang="en-US" sz="2400" dirty="0" smtClean="0">
+                <a:latin typeface="Gill Sans"/>
+                <a:cs typeface="Gill Sans"/>
+              </a:rPr>
+              <a:t>(b) Mixed Dirty and Clean</a:t>
+            </a:r>
+            <a:endParaRPr lang="en-US" sz="2400" dirty="0">
+              <a:latin typeface="Gill Sans"/>
+              <a:cs typeface="Gill Sans"/>
+            </a:endParaRPr>
+          </a:p>
+        </p:txBody>
+      </p:sp>
+      <p:sp>
+        <p:nvSpPr>
+          <p:cNvPr id="52" name="Multiply 51"/>
+          <p:cNvSpPr/>
+          <p:nvPr/>
+        </p:nvSpPr>
+        <p:spPr>
+          <a:xfrm>
+            <a:off x="242974" y="1200103"/>
+            <a:ext cx="405915" cy="405915"/>
+          </a:xfrm>
+          <a:prstGeom prst="mathMultiply">
+            <a:avLst/>
+          </a:prstGeom>
+          <a:solidFill>
+            <a:srgbClr val="CF7429"/>
+          </a:solidFill>
+          <a:ln>
+            <a:noFill/>
+          </a:ln>
+          <a:effectLst/>
+        </p:spPr>
+        <p:style>
+          <a:lnRef idx="1">
+            <a:schemeClr val="accent1"/>
+          </a:lnRef>
+          <a:fillRef idx="3">
+            <a:schemeClr val="accent1"/>
+          </a:fillRef>
+          <a:effectRef idx="2">
+            <a:schemeClr val="accent1"/>
+          </a:effectRef>
+          <a:fontRef idx="minor">
+            <a:schemeClr val="lt1"/>
+          </a:fontRef>
+        </p:style>
+        <p:txBody>
+          <a:bodyPr rtlCol="0" anchor="ctr"/>
+          <a:lstStyle/>
+          <a:p>
+            <a:pPr algn="ctr"/>
+            <a:endParaRPr lang="en-US"/>
+          </a:p>
+        </p:txBody>
+      </p:sp>
+      <p:sp>
+        <p:nvSpPr>
+          <p:cNvPr id="53" name="Multiply 52"/>
+          <p:cNvSpPr/>
+          <p:nvPr/>
+        </p:nvSpPr>
+        <p:spPr>
+          <a:xfrm>
+            <a:off x="295189" y="1833341"/>
+            <a:ext cx="405915" cy="405915"/>
+          </a:xfrm>
+          <a:prstGeom prst="mathMultiply">
+            <a:avLst/>
+          </a:prstGeom>
+          <a:solidFill>
+            <a:srgbClr val="CF7429"/>
+          </a:solidFill>
+          <a:ln>
+            <a:noFill/>
+          </a:ln>
+          <a:effectLst/>
+        </p:spPr>
+        <p:style>
+          <a:lnRef idx="1">
+            <a:schemeClr val="accent1"/>
+          </a:lnRef>
+          <a:fillRef idx="3">
+            <a:schemeClr val="accent1"/>
+          </a:fillRef>
+          <a:effectRef idx="2">
+            <a:schemeClr val="accent1"/>
+          </a:effectRef>
+          <a:fontRef idx="minor">
+            <a:schemeClr val="lt1"/>
+          </a:fontRef>
+        </p:style>
+        <p:txBody>
+          <a:bodyPr rtlCol="0" anchor="ctr"/>
+          <a:lstStyle/>
+          <a:p>
+            <a:pPr algn="ctr"/>
+            <a:endParaRPr lang="en-US"/>
+          </a:p>
+        </p:txBody>
+      </p:sp>
+      <p:sp>
+        <p:nvSpPr>
+          <p:cNvPr id="54" name="Multiply 53"/>
+          <p:cNvSpPr/>
+          <p:nvPr/>
+        </p:nvSpPr>
+        <p:spPr>
+          <a:xfrm>
+            <a:off x="441603" y="2334546"/>
+            <a:ext cx="405915" cy="405915"/>
+          </a:xfrm>
+          <a:prstGeom prst="mathMultiply">
+            <a:avLst/>
+          </a:prstGeom>
+          <a:solidFill>
+            <a:srgbClr val="CF7429"/>
+          </a:solidFill>
+          <a:ln>
+            <a:noFill/>
+          </a:ln>
+          <a:effectLst/>
+        </p:spPr>
+        <p:style>
+          <a:lnRef idx="1">
+            <a:schemeClr val="accent1"/>
+          </a:lnRef>
+          <a:fillRef idx="3">
+            <a:schemeClr val="accent1"/>
+          </a:fillRef>
+          <a:effectRef idx="2">
+            <a:schemeClr val="accent1"/>
+          </a:effectRef>
+          <a:fontRef idx="minor">
+            <a:schemeClr val="lt1"/>
+          </a:fontRef>
+        </p:style>
+        <p:txBody>
+          <a:bodyPr rtlCol="0" anchor="ctr"/>
+          <a:lstStyle/>
+          <a:p>
+            <a:pPr algn="ctr"/>
+            <a:endParaRPr lang="en-US"/>
+          </a:p>
+        </p:txBody>
+      </p:sp>
+      <p:sp>
+        <p:nvSpPr>
+          <p:cNvPr id="55" name="Multiply 54"/>
+          <p:cNvSpPr/>
+          <p:nvPr/>
+        </p:nvSpPr>
+        <p:spPr>
+          <a:xfrm>
+            <a:off x="701104" y="1961375"/>
+            <a:ext cx="405915" cy="405915"/>
+          </a:xfrm>
+          <a:prstGeom prst="mathMultiply">
+            <a:avLst/>
+          </a:prstGeom>
+          <a:solidFill>
+            <a:srgbClr val="CF7429"/>
+          </a:solidFill>
+          <a:ln>
+            <a:noFill/>
+          </a:ln>
+          <a:effectLst/>
+        </p:spPr>
+        <p:style>
+          <a:lnRef idx="1">
+            <a:schemeClr val="accent1"/>
+          </a:lnRef>
+          <a:fillRef idx="3">
+            <a:schemeClr val="accent1"/>
+          </a:fillRef>
+          <a:effectRef idx="2">
+            <a:schemeClr val="accent1"/>
+          </a:effectRef>
+          <a:fontRef idx="minor">
+            <a:schemeClr val="lt1"/>
+          </a:fontRef>
+        </p:style>
+        <p:txBody>
+          <a:bodyPr rtlCol="0" anchor="ctr"/>
+          <a:lstStyle/>
+          <a:p>
+            <a:pPr algn="ctr"/>
+            <a:endParaRPr lang="en-US"/>
+          </a:p>
+        </p:txBody>
+      </p:sp>
+      <p:sp>
+        <p:nvSpPr>
+          <p:cNvPr id="56" name="Multiply 55"/>
+          <p:cNvSpPr/>
+          <p:nvPr/>
+        </p:nvSpPr>
+        <p:spPr>
+          <a:xfrm>
+            <a:off x="1054804" y="1101334"/>
+            <a:ext cx="405915" cy="405915"/>
+          </a:xfrm>
+          <a:prstGeom prst="mathMultiply">
+            <a:avLst/>
+          </a:prstGeom>
+          <a:solidFill>
+            <a:srgbClr val="CF7429"/>
+          </a:solidFill>
+          <a:ln>
+            <a:noFill/>
+          </a:ln>
+          <a:effectLst/>
+        </p:spPr>
+        <p:style>
+          <a:lnRef idx="1">
+            <a:schemeClr val="accent1"/>
+          </a:lnRef>
+          <a:fillRef idx="3">
+            <a:schemeClr val="accent1"/>
+          </a:fillRef>
+          <a:effectRef idx="2">
+            <a:schemeClr val="accent1"/>
+          </a:effectRef>
+          <a:fontRef idx="minor">
+            <a:schemeClr val="lt1"/>
+          </a:fontRef>
+        </p:style>
+        <p:txBody>
+          <a:bodyPr rtlCol="0" anchor="ctr"/>
+          <a:lstStyle/>
+          <a:p>
+            <a:pPr algn="ctr"/>
+            <a:endParaRPr lang="en-US"/>
+          </a:p>
+        </p:txBody>
+      </p:sp>
+      <p:cxnSp>
+        <p:nvCxnSpPr>
+          <p:cNvPr id="72" name="Straight Arrow Connector 71"/>
+          <p:cNvCxnSpPr/>
+          <p:nvPr/>
+        </p:nvCxnSpPr>
+        <p:spPr>
+          <a:xfrm flipV="1">
+            <a:off x="7852052" y="998772"/>
+            <a:ext cx="0" cy="3116380"/>
+          </a:xfrm>
+          <a:prstGeom prst="straightConnector1">
+            <a:avLst/>
+          </a:prstGeom>
+          <a:ln w="50800">
+            <a:solidFill>
+              <a:schemeClr val="tx1"/>
+            </a:solidFill>
+            <a:tailEnd type="triangle"/>
+          </a:ln>
+          <a:effectLst/>
+        </p:spPr>
+        <p:style>
+          <a:lnRef idx="2">
+            <a:schemeClr val="accent1"/>
+          </a:lnRef>
+          <a:fillRef idx="0">
+            <a:schemeClr val="accent1"/>
+          </a:fillRef>
+          <a:effectRef idx="1">
+            <a:schemeClr val="accent1"/>
+          </a:effectRef>
+          <a:fontRef idx="minor">
+            <a:schemeClr val="tx1"/>
+          </a:fontRef>
+        </p:style>
+      </p:cxnSp>
+      <p:cxnSp>
+        <p:nvCxnSpPr>
+          <p:cNvPr id="73" name="Straight Arrow Connector 72"/>
+          <p:cNvCxnSpPr/>
+          <p:nvPr/>
+        </p:nvCxnSpPr>
+        <p:spPr>
+          <a:xfrm flipV="1">
+            <a:off x="7852052" y="4093691"/>
+            <a:ext cx="3482804" cy="21461"/>
+          </a:xfrm>
+          <a:prstGeom prst="straightConnector1">
+            <a:avLst/>
+          </a:prstGeom>
+          <a:ln w="50800">
+            <a:solidFill>
+              <a:schemeClr val="tx1"/>
+            </a:solidFill>
+            <a:tailEnd type="triangle"/>
+          </a:ln>
+          <a:effectLst/>
+        </p:spPr>
+        <p:style>
+          <a:lnRef idx="2">
+            <a:schemeClr val="accent1"/>
+          </a:lnRef>
+          <a:fillRef idx="0">
+            <a:schemeClr val="accent1"/>
+          </a:fillRef>
+          <a:effectRef idx="1">
+            <a:schemeClr val="accent1"/>
+          </a:effectRef>
+          <a:fontRef idx="minor">
+            <a:schemeClr val="tx1"/>
+          </a:fontRef>
+        </p:style>
+      </p:cxnSp>
+      <p:sp>
+        <p:nvSpPr>
+          <p:cNvPr id="77" name="TextBox 76"/>
+          <p:cNvSpPr txBox="1"/>
+          <p:nvPr/>
+        </p:nvSpPr>
+        <p:spPr>
+          <a:xfrm>
+            <a:off x="8040494" y="4178407"/>
+            <a:ext cx="3124323" cy="461665"/>
+          </a:xfrm>
+          <a:prstGeom prst="rect">
+            <a:avLst/>
+          </a:prstGeom>
+          <a:noFill/>
+        </p:spPr>
+        <p:txBody>
+          <a:bodyPr wrap="none" rtlCol="0">
+            <a:spAutoFit/>
+          </a:bodyPr>
+          <a:lstStyle/>
+          <a:p>
+            <a:r>
+              <a:rPr lang="en-US" sz="2400" dirty="0" smtClean="0">
+                <a:latin typeface="Gill Sans"/>
+                <a:cs typeface="Gill Sans"/>
+              </a:rPr>
+              <a:t>(c) Sampled Clean Data</a:t>
+            </a:r>
+            <a:endParaRPr lang="en-US" sz="2400" dirty="0">
+              <a:latin typeface="Gill Sans"/>
+              <a:cs typeface="Gill Sans"/>
+            </a:endParaRPr>
+          </a:p>
+        </p:txBody>
+      </p:sp>
+      <p:sp>
+        <p:nvSpPr>
+          <p:cNvPr id="3" name="TextBox 2"/>
+          <p:cNvSpPr txBox="1"/>
+          <p:nvPr/>
+        </p:nvSpPr>
+        <p:spPr>
+          <a:xfrm>
+            <a:off x="2689087" y="3315527"/>
+            <a:ext cx="723200" cy="369332"/>
+          </a:xfrm>
+          <a:prstGeom prst="rect">
+            <a:avLst/>
+          </a:prstGeom>
+          <a:noFill/>
+        </p:spPr>
+        <p:txBody>
+          <a:bodyPr wrap="none" rtlCol="0">
+            <a:spAutoFit/>
+          </a:bodyPr>
+          <a:lstStyle/>
+          <a:p>
+            <a:r>
+              <a:rPr lang="en-US" dirty="0" smtClean="0">
+                <a:latin typeface="Gill Sans"/>
+                <a:cs typeface="Gill Sans"/>
+              </a:rPr>
+              <a:t>Clean</a:t>
+            </a:r>
+            <a:endParaRPr lang="en-US" dirty="0">
+              <a:latin typeface="Gill Sans"/>
+              <a:cs typeface="Gill Sans"/>
+            </a:endParaRPr>
+          </a:p>
+        </p:txBody>
+      </p:sp>
+      <p:sp>
+        <p:nvSpPr>
+          <p:cNvPr id="50" name="TextBox 49"/>
+          <p:cNvSpPr txBox="1"/>
+          <p:nvPr/>
+        </p:nvSpPr>
+        <p:spPr>
+          <a:xfrm>
+            <a:off x="2689087" y="3684859"/>
+            <a:ext cx="684803" cy="369332"/>
+          </a:xfrm>
+          <a:prstGeom prst="rect">
+            <a:avLst/>
+          </a:prstGeom>
+          <a:noFill/>
+        </p:spPr>
+        <p:txBody>
+          <a:bodyPr wrap="none" rtlCol="0">
+            <a:spAutoFit/>
+          </a:bodyPr>
+          <a:lstStyle/>
+          <a:p>
+            <a:r>
+              <a:rPr lang="en-US" dirty="0" smtClean="0">
+                <a:latin typeface="Gill Sans"/>
+                <a:cs typeface="Gill Sans"/>
+              </a:rPr>
+              <a:t>Dirty</a:t>
+            </a:r>
+            <a:endParaRPr lang="en-US" dirty="0">
+              <a:latin typeface="Gill Sans"/>
+              <a:cs typeface="Gill Sans"/>
+            </a:endParaRPr>
+          </a:p>
+        </p:txBody>
+      </p:sp>
+      <p:cxnSp>
+        <p:nvCxnSpPr>
+          <p:cNvPr id="48" name="Straight Connector 47"/>
+          <p:cNvCxnSpPr/>
+          <p:nvPr/>
+        </p:nvCxnSpPr>
+        <p:spPr>
+          <a:xfrm flipV="1">
+            <a:off x="5005003" y="1169452"/>
+            <a:ext cx="1907694" cy="2936971"/>
+          </a:xfrm>
+          <a:prstGeom prst="line">
+            <a:avLst/>
+          </a:prstGeom>
+          <a:ln w="50800">
+            <a:solidFill>
+              <a:srgbClr val="3899FF"/>
+            </a:solidFill>
+          </a:ln>
+          <a:effectLst/>
+        </p:spPr>
+        <p:style>
+          <a:lnRef idx="2">
+            <a:schemeClr val="accent1"/>
+          </a:lnRef>
+          <a:fillRef idx="0">
+            <a:schemeClr val="accent1"/>
+          </a:fillRef>
+          <a:effectRef idx="1">
+            <a:schemeClr val="accent1"/>
+          </a:effectRef>
+          <a:fontRef idx="minor">
+            <a:schemeClr val="tx1"/>
+          </a:fontRef>
+        </p:style>
+      </p:cxnSp>
+      <p:cxnSp>
+        <p:nvCxnSpPr>
+          <p:cNvPr id="58" name="Straight Connector 57"/>
+          <p:cNvCxnSpPr/>
+          <p:nvPr/>
+        </p:nvCxnSpPr>
+        <p:spPr>
+          <a:xfrm flipV="1">
+            <a:off x="9072843" y="1185651"/>
+            <a:ext cx="1907694" cy="2936971"/>
+          </a:xfrm>
+          <a:prstGeom prst="line">
+            <a:avLst/>
+          </a:prstGeom>
+          <a:ln w="50800">
+            <a:solidFill>
+              <a:srgbClr val="3899FF"/>
+            </a:solidFill>
+          </a:ln>
+          <a:effectLst/>
+        </p:spPr>
+        <p:style>
+          <a:lnRef idx="2">
+            <a:schemeClr val="accent1"/>
+          </a:lnRef>
+          <a:fillRef idx="0">
+            <a:schemeClr val="accent1"/>
+          </a:fillRef>
+          <a:effectRef idx="1">
+            <a:schemeClr val="accent1"/>
+          </a:effectRef>
+          <a:fontRef idx="minor">
+            <a:schemeClr val="tx1"/>
+          </a:fontRef>
+        </p:style>
+      </p:cxnSp>
+      <p:sp>
+        <p:nvSpPr>
+          <p:cNvPr id="14" name="TextBox 13"/>
+          <p:cNvSpPr txBox="1"/>
+          <p:nvPr/>
+        </p:nvSpPr>
+        <p:spPr>
+          <a:xfrm>
+            <a:off x="1072169" y="3764921"/>
+            <a:ext cx="750363" cy="369332"/>
+          </a:xfrm>
+          <a:prstGeom prst="rect">
+            <a:avLst/>
+          </a:prstGeom>
+          <a:noFill/>
+        </p:spPr>
+        <p:txBody>
+          <a:bodyPr wrap="none" rtlCol="0">
+            <a:spAutoFit/>
+          </a:bodyPr>
+          <a:lstStyle/>
+          <a:p>
+            <a:r>
+              <a:rPr lang="en-US" b="1" dirty="0" smtClean="0">
+                <a:solidFill>
+                  <a:srgbClr val="3899FF"/>
+                </a:solidFill>
+                <a:latin typeface="Gill Sans"/>
+                <a:cs typeface="Gill Sans"/>
+              </a:rPr>
+              <a:t>True</a:t>
+            </a:r>
+            <a:endParaRPr lang="en-US" b="1" dirty="0">
+              <a:solidFill>
+                <a:srgbClr val="3899FF"/>
+              </a:solidFill>
+              <a:latin typeface="Gill Sans"/>
+              <a:cs typeface="Gill Sans"/>
+            </a:endParaRPr>
+          </a:p>
+        </p:txBody>
+      </p:sp>
+      <p:sp>
+        <p:nvSpPr>
+          <p:cNvPr id="60" name="TextBox 59"/>
+          <p:cNvSpPr txBox="1"/>
+          <p:nvPr/>
+        </p:nvSpPr>
+        <p:spPr>
+          <a:xfrm>
+            <a:off x="-6883" y="2713725"/>
+            <a:ext cx="941283" cy="369332"/>
+          </a:xfrm>
+          <a:prstGeom prst="rect">
+            <a:avLst/>
+          </a:prstGeom>
+          <a:noFill/>
+        </p:spPr>
+        <p:txBody>
+          <a:bodyPr wrap="none" rtlCol="0">
+            <a:spAutoFit/>
+          </a:bodyPr>
+          <a:lstStyle/>
+          <a:p>
+            <a:r>
+              <a:rPr lang="en-US" b="1" dirty="0" smtClean="0">
+                <a:solidFill>
+                  <a:srgbClr val="FF0000"/>
+                </a:solidFill>
+                <a:latin typeface="Gill Sans"/>
+                <a:cs typeface="Gill Sans"/>
+              </a:rPr>
+              <a:t>Result</a:t>
+            </a:r>
+            <a:endParaRPr lang="en-US" b="1" dirty="0">
+              <a:solidFill>
+                <a:srgbClr val="FF0000"/>
+              </a:solidFill>
+              <a:latin typeface="Gill Sans"/>
+              <a:cs typeface="Gill Sans"/>
+            </a:endParaRPr>
+          </a:p>
+        </p:txBody>
+      </p:sp>
+      <p:sp>
+        <p:nvSpPr>
+          <p:cNvPr id="64" name="TextBox 63"/>
+          <p:cNvSpPr txBox="1"/>
+          <p:nvPr/>
+        </p:nvSpPr>
+        <p:spPr>
+          <a:xfrm>
+            <a:off x="6444248" y="3402423"/>
+            <a:ext cx="941283" cy="369332"/>
+          </a:xfrm>
+          <a:prstGeom prst="rect">
+            <a:avLst/>
+          </a:prstGeom>
+          <a:noFill/>
+        </p:spPr>
+        <p:txBody>
+          <a:bodyPr wrap="none" rtlCol="0">
+            <a:spAutoFit/>
+          </a:bodyPr>
+          <a:lstStyle/>
+          <a:p>
+            <a:r>
+              <a:rPr lang="en-US" b="1" dirty="0" smtClean="0">
+                <a:solidFill>
+                  <a:srgbClr val="FF0000"/>
+                </a:solidFill>
+                <a:latin typeface="Gill Sans"/>
+                <a:cs typeface="Gill Sans"/>
+              </a:rPr>
+              <a:t>Result</a:t>
+            </a:r>
+            <a:endParaRPr lang="en-US" b="1" dirty="0">
+              <a:solidFill>
+                <a:srgbClr val="FF0000"/>
+              </a:solidFill>
+              <a:latin typeface="Gill Sans"/>
+              <a:cs typeface="Gill Sans"/>
+            </a:endParaRPr>
+          </a:p>
+        </p:txBody>
+      </p:sp>
+      <p:sp>
+        <p:nvSpPr>
+          <p:cNvPr id="66" name="TextBox 65"/>
+          <p:cNvSpPr txBox="1"/>
+          <p:nvPr/>
+        </p:nvSpPr>
+        <p:spPr>
+          <a:xfrm>
+            <a:off x="10160515" y="3557859"/>
+            <a:ext cx="941283" cy="369332"/>
+          </a:xfrm>
+          <a:prstGeom prst="rect">
+            <a:avLst/>
+          </a:prstGeom>
+          <a:noFill/>
+        </p:spPr>
+        <p:txBody>
+          <a:bodyPr wrap="none" rtlCol="0">
+            <a:spAutoFit/>
+          </a:bodyPr>
+          <a:lstStyle/>
+          <a:p>
+            <a:r>
+              <a:rPr lang="en-US" b="1" dirty="0" smtClean="0">
+                <a:solidFill>
+                  <a:srgbClr val="FF0000"/>
+                </a:solidFill>
+                <a:latin typeface="Gill Sans"/>
+                <a:cs typeface="Gill Sans"/>
+              </a:rPr>
+              <a:t>Result</a:t>
+            </a:r>
+            <a:endParaRPr lang="en-US" b="1" dirty="0">
+              <a:solidFill>
+                <a:srgbClr val="FF0000"/>
+              </a:solidFill>
+              <a:latin typeface="Gill Sans"/>
+              <a:cs typeface="Gill Sans"/>
+            </a:endParaRPr>
+          </a:p>
+        </p:txBody>
+      </p:sp>
+      <p:sp>
+        <p:nvSpPr>
+          <p:cNvPr id="67" name="TextBox 66"/>
+          <p:cNvSpPr txBox="1"/>
+          <p:nvPr/>
+        </p:nvSpPr>
+        <p:spPr>
+          <a:xfrm>
+            <a:off x="5109699" y="3743460"/>
+            <a:ext cx="750363" cy="369332"/>
+          </a:xfrm>
+          <a:prstGeom prst="rect">
+            <a:avLst/>
+          </a:prstGeom>
+          <a:noFill/>
+        </p:spPr>
+        <p:txBody>
+          <a:bodyPr wrap="none" rtlCol="0">
+            <a:spAutoFit/>
+          </a:bodyPr>
+          <a:lstStyle/>
+          <a:p>
+            <a:r>
+              <a:rPr lang="en-US" b="1" dirty="0" smtClean="0">
+                <a:solidFill>
+                  <a:srgbClr val="3899FF"/>
+                </a:solidFill>
+                <a:latin typeface="Gill Sans"/>
+                <a:cs typeface="Gill Sans"/>
+              </a:rPr>
+              <a:t>True</a:t>
+            </a:r>
+            <a:endParaRPr lang="en-US" b="1" dirty="0">
+              <a:solidFill>
+                <a:srgbClr val="3899FF"/>
+              </a:solidFill>
+              <a:latin typeface="Gill Sans"/>
+              <a:cs typeface="Gill Sans"/>
+            </a:endParaRPr>
+          </a:p>
+        </p:txBody>
+      </p:sp>
+      <p:sp>
+        <p:nvSpPr>
+          <p:cNvPr id="69" name="TextBox 68"/>
+          <p:cNvSpPr txBox="1"/>
+          <p:nvPr/>
+        </p:nvSpPr>
+        <p:spPr>
+          <a:xfrm>
+            <a:off x="9192415" y="3764921"/>
+            <a:ext cx="750363" cy="369332"/>
+          </a:xfrm>
+          <a:prstGeom prst="rect">
+            <a:avLst/>
+          </a:prstGeom>
+          <a:noFill/>
+        </p:spPr>
+        <p:txBody>
+          <a:bodyPr wrap="none" rtlCol="0">
+            <a:spAutoFit/>
+          </a:bodyPr>
+          <a:lstStyle/>
+          <a:p>
+            <a:r>
+              <a:rPr lang="en-US" b="1" dirty="0" smtClean="0">
+                <a:solidFill>
+                  <a:srgbClr val="3899FF"/>
+                </a:solidFill>
+                <a:latin typeface="Gill Sans"/>
+                <a:cs typeface="Gill Sans"/>
+              </a:rPr>
+              <a:t>True</a:t>
+            </a:r>
+            <a:endParaRPr lang="en-US" b="1" dirty="0">
+              <a:solidFill>
+                <a:srgbClr val="3899FF"/>
+              </a:solidFill>
+              <a:latin typeface="Gill Sans"/>
+              <a:cs typeface="Gill Sans"/>
+            </a:endParaRPr>
+          </a:p>
+        </p:txBody>
+      </p:sp>
+      <p:sp>
+        <p:nvSpPr>
+          <p:cNvPr id="6" name="TextBox 5"/>
+          <p:cNvSpPr txBox="1"/>
+          <p:nvPr/>
+        </p:nvSpPr>
+        <p:spPr>
+          <a:xfrm>
+            <a:off x="295189" y="938458"/>
+            <a:ext cx="301660" cy="369332"/>
+          </a:xfrm>
+          <a:prstGeom prst="rect">
+            <a:avLst/>
+          </a:prstGeom>
+          <a:noFill/>
+        </p:spPr>
+        <p:txBody>
+          <a:bodyPr wrap="none" rtlCol="0">
+            <a:spAutoFit/>
+          </a:bodyPr>
+          <a:lstStyle/>
+          <a:p>
+            <a:r>
+              <a:rPr lang="en-US" dirty="0"/>
+              <a:t>1</a:t>
+            </a:r>
+          </a:p>
+        </p:txBody>
+      </p:sp>
+      <p:sp>
+        <p:nvSpPr>
+          <p:cNvPr id="57" name="TextBox 56"/>
+          <p:cNvSpPr txBox="1"/>
+          <p:nvPr/>
+        </p:nvSpPr>
+        <p:spPr>
+          <a:xfrm>
+            <a:off x="1174021" y="842328"/>
+            <a:ext cx="301660" cy="369332"/>
+          </a:xfrm>
+          <a:prstGeom prst="rect">
+            <a:avLst/>
+          </a:prstGeom>
+          <a:noFill/>
+        </p:spPr>
+        <p:txBody>
+          <a:bodyPr wrap="none" rtlCol="0">
+            <a:spAutoFit/>
+          </a:bodyPr>
+          <a:lstStyle/>
+          <a:p>
+            <a:r>
+              <a:rPr lang="en-US" dirty="0"/>
+              <a:t>2</a:t>
+            </a:r>
+          </a:p>
+        </p:txBody>
+      </p:sp>
+      <p:sp>
+        <p:nvSpPr>
+          <p:cNvPr id="59" name="TextBox 58"/>
+          <p:cNvSpPr txBox="1"/>
+          <p:nvPr/>
+        </p:nvSpPr>
+        <p:spPr>
+          <a:xfrm>
+            <a:off x="783570" y="1676419"/>
+            <a:ext cx="301660" cy="369332"/>
+          </a:xfrm>
+          <a:prstGeom prst="rect">
+            <a:avLst/>
+          </a:prstGeom>
+          <a:noFill/>
+        </p:spPr>
+        <p:txBody>
+          <a:bodyPr wrap="none" rtlCol="0">
+            <a:spAutoFit/>
+          </a:bodyPr>
+          <a:lstStyle/>
+          <a:p>
+            <a:r>
+              <a:rPr lang="en-US" dirty="0" smtClean="0"/>
+              <a:t>3</a:t>
+            </a:r>
+            <a:endParaRPr lang="en-US" dirty="0"/>
+          </a:p>
+        </p:txBody>
+      </p:sp>
+      <p:sp>
+        <p:nvSpPr>
+          <p:cNvPr id="62" name="TextBox 61"/>
+          <p:cNvSpPr txBox="1"/>
+          <p:nvPr/>
+        </p:nvSpPr>
+        <p:spPr>
+          <a:xfrm>
+            <a:off x="483948" y="2091691"/>
+            <a:ext cx="301660" cy="369332"/>
+          </a:xfrm>
+          <a:prstGeom prst="rect">
+            <a:avLst/>
+          </a:prstGeom>
+          <a:noFill/>
+        </p:spPr>
+        <p:txBody>
+          <a:bodyPr wrap="none" rtlCol="0">
+            <a:spAutoFit/>
+          </a:bodyPr>
+          <a:lstStyle/>
+          <a:p>
+            <a:r>
+              <a:rPr lang="en-US" dirty="0"/>
+              <a:t>4</a:t>
+            </a:r>
+          </a:p>
+        </p:txBody>
+      </p:sp>
+      <p:sp>
+        <p:nvSpPr>
+          <p:cNvPr id="63" name="TextBox 62"/>
+          <p:cNvSpPr txBox="1"/>
+          <p:nvPr/>
+        </p:nvSpPr>
+        <p:spPr>
+          <a:xfrm>
+            <a:off x="354688" y="1577932"/>
+            <a:ext cx="301660" cy="369332"/>
+          </a:xfrm>
+          <a:prstGeom prst="rect">
+            <a:avLst/>
+          </a:prstGeom>
+          <a:noFill/>
+        </p:spPr>
+        <p:txBody>
+          <a:bodyPr wrap="none" rtlCol="0">
+            <a:spAutoFit/>
+          </a:bodyPr>
+          <a:lstStyle/>
+          <a:p>
+            <a:r>
+              <a:rPr lang="en-US" dirty="0" smtClean="0"/>
+              <a:t>5</a:t>
+            </a:r>
+            <a:endParaRPr lang="en-US" dirty="0"/>
+          </a:p>
+        </p:txBody>
+      </p:sp>
+      <p:sp>
+        <p:nvSpPr>
+          <p:cNvPr id="70" name="TextBox 69"/>
+          <p:cNvSpPr txBox="1"/>
+          <p:nvPr/>
+        </p:nvSpPr>
+        <p:spPr>
+          <a:xfrm>
+            <a:off x="2028021" y="943313"/>
+            <a:ext cx="359256" cy="369332"/>
+          </a:xfrm>
+          <a:prstGeom prst="rect">
+            <a:avLst/>
+          </a:prstGeom>
+          <a:noFill/>
+        </p:spPr>
+        <p:txBody>
+          <a:bodyPr wrap="none" rtlCol="0">
+            <a:spAutoFit/>
+          </a:bodyPr>
+          <a:lstStyle/>
+          <a:p>
+            <a:r>
+              <a:rPr lang="en-US" dirty="0" smtClean="0"/>
+              <a:t>1’</a:t>
+            </a:r>
+            <a:endParaRPr lang="en-US" dirty="0"/>
+          </a:p>
+        </p:txBody>
+      </p:sp>
+      <p:sp>
+        <p:nvSpPr>
+          <p:cNvPr id="71" name="TextBox 70"/>
+          <p:cNvSpPr txBox="1"/>
+          <p:nvPr/>
+        </p:nvSpPr>
+        <p:spPr>
+          <a:xfrm>
+            <a:off x="2916448" y="794577"/>
+            <a:ext cx="359256" cy="369332"/>
+          </a:xfrm>
+          <a:prstGeom prst="rect">
+            <a:avLst/>
+          </a:prstGeom>
+          <a:solidFill>
+            <a:schemeClr val="bg1"/>
+          </a:solidFill>
+        </p:spPr>
+        <p:txBody>
+          <a:bodyPr wrap="none" rtlCol="0">
+            <a:spAutoFit/>
+          </a:bodyPr>
+          <a:lstStyle/>
+          <a:p>
+            <a:r>
+              <a:rPr lang="en-US" dirty="0" smtClean="0"/>
+              <a:t>2’</a:t>
+            </a:r>
+            <a:endParaRPr lang="en-US" dirty="0"/>
+          </a:p>
+        </p:txBody>
+      </p:sp>
+      <p:sp>
+        <p:nvSpPr>
+          <p:cNvPr id="78" name="TextBox 77"/>
+          <p:cNvSpPr txBox="1"/>
+          <p:nvPr/>
+        </p:nvSpPr>
+        <p:spPr>
+          <a:xfrm>
+            <a:off x="2492018" y="1693466"/>
+            <a:ext cx="359256" cy="369332"/>
+          </a:xfrm>
+          <a:prstGeom prst="rect">
+            <a:avLst/>
+          </a:prstGeom>
+          <a:noFill/>
+        </p:spPr>
+        <p:txBody>
+          <a:bodyPr wrap="none" rtlCol="0">
+            <a:spAutoFit/>
+          </a:bodyPr>
+          <a:lstStyle/>
+          <a:p>
+            <a:r>
+              <a:rPr lang="en-US" dirty="0" smtClean="0"/>
+              <a:t>3’</a:t>
+            </a:r>
+            <a:endParaRPr lang="en-US" dirty="0"/>
+          </a:p>
+        </p:txBody>
+      </p:sp>
+      <p:sp>
+        <p:nvSpPr>
+          <p:cNvPr id="79" name="TextBox 78"/>
+          <p:cNvSpPr txBox="1"/>
+          <p:nvPr/>
+        </p:nvSpPr>
+        <p:spPr>
+          <a:xfrm>
+            <a:off x="2241164" y="2108738"/>
+            <a:ext cx="359256" cy="369332"/>
+          </a:xfrm>
+          <a:prstGeom prst="rect">
+            <a:avLst/>
+          </a:prstGeom>
+          <a:noFill/>
+        </p:spPr>
+        <p:txBody>
+          <a:bodyPr wrap="none" rtlCol="0">
+            <a:spAutoFit/>
+          </a:bodyPr>
+          <a:lstStyle/>
+          <a:p>
+            <a:r>
+              <a:rPr lang="en-US" dirty="0" smtClean="0"/>
+              <a:t>4’</a:t>
+            </a:r>
+            <a:endParaRPr lang="en-US" dirty="0"/>
+          </a:p>
+        </p:txBody>
+      </p:sp>
+      <p:sp>
+        <p:nvSpPr>
+          <p:cNvPr id="80" name="TextBox 79"/>
+          <p:cNvSpPr txBox="1"/>
+          <p:nvPr/>
+        </p:nvSpPr>
+        <p:spPr>
+          <a:xfrm>
+            <a:off x="2111904" y="1582787"/>
+            <a:ext cx="359256" cy="369332"/>
+          </a:xfrm>
+          <a:prstGeom prst="rect">
+            <a:avLst/>
+          </a:prstGeom>
+          <a:noFill/>
+        </p:spPr>
+        <p:txBody>
+          <a:bodyPr wrap="none" rtlCol="0">
+            <a:spAutoFit/>
+          </a:bodyPr>
+          <a:lstStyle/>
+          <a:p>
+            <a:r>
+              <a:rPr lang="en-US" dirty="0" smtClean="0"/>
+              <a:t>5’</a:t>
+            </a:r>
+            <a:endParaRPr lang="en-US" dirty="0"/>
+          </a:p>
+        </p:txBody>
+      </p:sp>
+      <p:sp>
+        <p:nvSpPr>
+          <p:cNvPr id="83" name="TextBox 82"/>
+          <p:cNvSpPr txBox="1"/>
+          <p:nvPr/>
+        </p:nvSpPr>
+        <p:spPr>
+          <a:xfrm>
+            <a:off x="5896930" y="2156604"/>
+            <a:ext cx="359256" cy="369332"/>
+          </a:xfrm>
+          <a:prstGeom prst="rect">
+            <a:avLst/>
+          </a:prstGeom>
+          <a:solidFill>
+            <a:schemeClr val="bg1"/>
+          </a:solidFill>
+        </p:spPr>
+        <p:txBody>
+          <a:bodyPr wrap="none" rtlCol="0">
+            <a:spAutoFit/>
+          </a:bodyPr>
+          <a:lstStyle/>
+          <a:p>
+            <a:r>
+              <a:rPr lang="en-US" dirty="0" smtClean="0"/>
+              <a:t>4’</a:t>
+            </a:r>
+            <a:endParaRPr lang="en-US" dirty="0"/>
+          </a:p>
+        </p:txBody>
+      </p:sp>
+      <p:sp>
+        <p:nvSpPr>
+          <p:cNvPr id="85" name="TextBox 84"/>
+          <p:cNvSpPr txBox="1"/>
+          <p:nvPr/>
+        </p:nvSpPr>
+        <p:spPr>
+          <a:xfrm>
+            <a:off x="5725337" y="1642845"/>
+            <a:ext cx="359256" cy="369332"/>
+          </a:xfrm>
+          <a:prstGeom prst="rect">
+            <a:avLst/>
+          </a:prstGeom>
+          <a:solidFill>
+            <a:schemeClr val="bg1"/>
+          </a:solidFill>
+        </p:spPr>
+        <p:txBody>
+          <a:bodyPr wrap="none" rtlCol="0">
+            <a:spAutoFit/>
+          </a:bodyPr>
+          <a:lstStyle/>
+          <a:p>
+            <a:r>
+              <a:rPr lang="en-US" dirty="0" smtClean="0"/>
+              <a:t>5’</a:t>
+            </a:r>
+            <a:endParaRPr lang="en-US" dirty="0"/>
+          </a:p>
+        </p:txBody>
+      </p:sp>
+      <p:sp>
+        <p:nvSpPr>
+          <p:cNvPr id="93" name="Oval 92"/>
+          <p:cNvSpPr/>
+          <p:nvPr/>
+        </p:nvSpPr>
+        <p:spPr>
+          <a:xfrm>
+            <a:off x="5727024" y="1950325"/>
+            <a:ext cx="298809" cy="298809"/>
+          </a:xfrm>
+          <a:prstGeom prst="ellipse">
+            <a:avLst/>
+          </a:prstGeom>
+          <a:solidFill>
+            <a:srgbClr val="00B050"/>
+          </a:solidFill>
+          <a:ln>
+            <a:noFill/>
+          </a:ln>
+          <a:effectLst/>
+        </p:spPr>
+        <p:style>
+          <a:lnRef idx="1">
+            <a:schemeClr val="accent1"/>
+          </a:lnRef>
+          <a:fillRef idx="3">
+            <a:schemeClr val="accent1"/>
+          </a:fillRef>
+          <a:effectRef idx="2">
+            <a:schemeClr val="accent1"/>
+          </a:effectRef>
+          <a:fontRef idx="minor">
+            <a:schemeClr val="lt1"/>
+          </a:fontRef>
+        </p:style>
+        <p:txBody>
+          <a:bodyPr rtlCol="0" anchor="ctr"/>
+          <a:lstStyle/>
+          <a:p>
+            <a:pPr algn="ctr"/>
+            <a:endParaRPr lang="en-US" sz="800" dirty="0"/>
+          </a:p>
+        </p:txBody>
+      </p:sp>
+      <p:sp>
+        <p:nvSpPr>
+          <p:cNvPr id="94" name="Oval 93"/>
+          <p:cNvSpPr/>
+          <p:nvPr/>
+        </p:nvSpPr>
+        <p:spPr>
+          <a:xfrm>
+            <a:off x="5873328" y="2450197"/>
+            <a:ext cx="298809" cy="298809"/>
+          </a:xfrm>
+          <a:prstGeom prst="ellipse">
+            <a:avLst/>
+          </a:prstGeom>
+          <a:solidFill>
+            <a:srgbClr val="00B050"/>
+          </a:solidFill>
+          <a:ln>
+            <a:noFill/>
+          </a:ln>
+          <a:effectLst/>
+        </p:spPr>
+        <p:style>
+          <a:lnRef idx="1">
+            <a:schemeClr val="accent1"/>
+          </a:lnRef>
+          <a:fillRef idx="3">
+            <a:schemeClr val="accent1"/>
+          </a:fillRef>
+          <a:effectRef idx="2">
+            <a:schemeClr val="accent1"/>
+          </a:effectRef>
+          <a:fontRef idx="minor">
+            <a:schemeClr val="lt1"/>
+          </a:fontRef>
+        </p:style>
+        <p:txBody>
+          <a:bodyPr rtlCol="0" anchor="ctr"/>
+          <a:lstStyle/>
+          <a:p>
+            <a:pPr algn="ctr"/>
+            <a:endParaRPr lang="en-US"/>
+          </a:p>
+        </p:txBody>
+      </p:sp>
+      <p:sp>
+        <p:nvSpPr>
+          <p:cNvPr id="101" name="Oval 100"/>
+          <p:cNvSpPr/>
+          <p:nvPr/>
+        </p:nvSpPr>
+        <p:spPr>
+          <a:xfrm>
+            <a:off x="2431460" y="3351161"/>
+            <a:ext cx="298809" cy="298809"/>
+          </a:xfrm>
+          <a:prstGeom prst="ellipse">
+            <a:avLst/>
+          </a:prstGeom>
+          <a:solidFill>
+            <a:srgbClr val="00B050"/>
+          </a:solidFill>
+          <a:ln>
+            <a:noFill/>
+          </a:ln>
+          <a:effectLst/>
+        </p:spPr>
+        <p:style>
+          <a:lnRef idx="1">
+            <a:schemeClr val="accent1"/>
+          </a:lnRef>
+          <a:fillRef idx="3">
+            <a:schemeClr val="accent1"/>
+          </a:fillRef>
+          <a:effectRef idx="2">
+            <a:schemeClr val="accent1"/>
+          </a:effectRef>
+          <a:fontRef idx="minor">
+            <a:schemeClr val="lt1"/>
+          </a:fontRef>
+        </p:style>
+        <p:txBody>
+          <a:bodyPr rtlCol="0" anchor="ctr"/>
+          <a:lstStyle/>
+          <a:p>
+            <a:pPr algn="ctr"/>
+            <a:endParaRPr lang="en-US"/>
+          </a:p>
+        </p:txBody>
+      </p:sp>
+      <p:sp>
+        <p:nvSpPr>
+          <p:cNvPr id="103" name="Multiply 102"/>
+          <p:cNvSpPr/>
+          <p:nvPr/>
+        </p:nvSpPr>
+        <p:spPr>
+          <a:xfrm>
+            <a:off x="2377907" y="3663459"/>
+            <a:ext cx="405915" cy="405915"/>
+          </a:xfrm>
+          <a:prstGeom prst="mathMultiply">
+            <a:avLst/>
+          </a:prstGeom>
+          <a:solidFill>
+            <a:srgbClr val="CF7429">
+              <a:alpha val="83000"/>
+            </a:srgbClr>
+          </a:solidFill>
+          <a:ln>
+            <a:noFill/>
+          </a:ln>
+          <a:effectLst/>
+        </p:spPr>
+        <p:style>
+          <a:lnRef idx="1">
+            <a:schemeClr val="accent1"/>
+          </a:lnRef>
+          <a:fillRef idx="3">
+            <a:schemeClr val="accent1"/>
+          </a:fillRef>
+          <a:effectRef idx="2">
+            <a:schemeClr val="accent1"/>
+          </a:effectRef>
+          <a:fontRef idx="minor">
+            <a:schemeClr val="lt1"/>
+          </a:fontRef>
+        </p:style>
+        <p:txBody>
+          <a:bodyPr rtlCol="0" anchor="ctr"/>
+          <a:lstStyle/>
+          <a:p>
+            <a:pPr algn="ctr"/>
+            <a:endParaRPr lang="en-US"/>
+          </a:p>
+        </p:txBody>
+      </p:sp>
       <p:grpSp>
         <p:nvGrpSpPr>
-          <p:cNvPr id="7" name="Group 6"/>
+          <p:cNvPr id="110" name="Group 109"/>
           <p:cNvGrpSpPr/>
           <p:nvPr/>
         </p:nvGrpSpPr>
         <p:grpSpPr>
           <a:xfrm>
-            <a:off x="-6883" y="842328"/>
-            <a:ext cx="11341739" cy="3797744"/>
-            <a:chOff x="-6883" y="842328"/>
-            <a:chExt cx="11341739" cy="3797744"/>
+            <a:off x="10208707" y="1495135"/>
+            <a:ext cx="530849" cy="1106161"/>
+            <a:chOff x="5877737" y="1795245"/>
+            <a:chExt cx="530849" cy="1106161"/>
           </a:xfrm>
         </p:grpSpPr>
-        <p:grpSp>
-          <p:nvGrpSpPr>
-            <p:cNvPr id="16" name="Group 15"/>
-            <p:cNvGrpSpPr/>
-            <p:nvPr/>
-          </p:nvGrpSpPr>
-          <p:grpSpPr>
-            <a:xfrm>
-              <a:off x="-6883" y="882014"/>
-              <a:ext cx="11341739" cy="3758058"/>
-              <a:chOff x="299105" y="761991"/>
-              <a:chExt cx="11341739" cy="3758058"/>
-            </a:xfrm>
-          </p:grpSpPr>
-          <p:grpSp>
-            <p:nvGrpSpPr>
-              <p:cNvPr id="15" name="Group 14"/>
-              <p:cNvGrpSpPr/>
-              <p:nvPr/>
-            </p:nvGrpSpPr>
-            <p:grpSpPr>
-              <a:xfrm>
-                <a:off x="299105" y="761991"/>
-                <a:ext cx="11341739" cy="3758058"/>
-                <a:chOff x="299105" y="761991"/>
-                <a:chExt cx="11341739" cy="3758058"/>
-              </a:xfrm>
-            </p:grpSpPr>
-            <p:grpSp>
-              <p:nvGrpSpPr>
-                <p:cNvPr id="5" name="Group 4"/>
-                <p:cNvGrpSpPr/>
-                <p:nvPr/>
-              </p:nvGrpSpPr>
-              <p:grpSpPr>
-                <a:xfrm>
-                  <a:off x="307236" y="761991"/>
-                  <a:ext cx="11333608" cy="3758058"/>
-                  <a:chOff x="1012185" y="816101"/>
-                  <a:chExt cx="11333608" cy="3758058"/>
-                </a:xfrm>
-              </p:grpSpPr>
-              <p:grpSp>
-                <p:nvGrpSpPr>
-                  <p:cNvPr id="4" name="Group 3"/>
-                  <p:cNvGrpSpPr/>
-                  <p:nvPr/>
-                </p:nvGrpSpPr>
-                <p:grpSpPr>
-                  <a:xfrm>
-                    <a:off x="1012185" y="816101"/>
-                    <a:ext cx="11333608" cy="3758058"/>
-                    <a:chOff x="1012185" y="816101"/>
-                    <a:chExt cx="11333608" cy="3758058"/>
-                  </a:xfrm>
-                </p:grpSpPr>
-                <p:grpSp>
-                  <p:nvGrpSpPr>
-                    <p:cNvPr id="84" name="Group 83"/>
-                    <p:cNvGrpSpPr/>
-                    <p:nvPr/>
-                  </p:nvGrpSpPr>
-                  <p:grpSpPr>
-                    <a:xfrm>
-                      <a:off x="1012185" y="816101"/>
-                      <a:ext cx="11333608" cy="3758058"/>
-                      <a:chOff x="1012185" y="816101"/>
-                      <a:chExt cx="11333608" cy="3758058"/>
-                    </a:xfrm>
-                  </p:grpSpPr>
-                  <p:cxnSp>
-                    <p:nvCxnSpPr>
-                      <p:cNvPr id="76" name="Straight Connector 75"/>
-                      <p:cNvCxnSpPr/>
-                      <p:nvPr/>
-                    </p:nvCxnSpPr>
-                    <p:spPr>
-                      <a:xfrm flipH="1" flipV="1">
-                        <a:off x="10772070" y="816101"/>
-                        <a:ext cx="1403684" cy="2874210"/>
-                      </a:xfrm>
-                      <a:prstGeom prst="line">
-                        <a:avLst/>
-                      </a:prstGeom>
-                      <a:ln w="50800">
-                        <a:solidFill>
-                          <a:srgbClr val="FF0000"/>
-                        </a:solidFill>
-                      </a:ln>
-                      <a:effectLst/>
-                    </p:spPr>
-                    <p:style>
-                      <a:lnRef idx="2">
-                        <a:schemeClr val="accent1"/>
-                      </a:lnRef>
-                      <a:fillRef idx="0">
-                        <a:schemeClr val="accent1"/>
-                      </a:fillRef>
-                      <a:effectRef idx="1">
-                        <a:schemeClr val="accent1"/>
-                      </a:effectRef>
-                      <a:fontRef idx="minor">
-                        <a:schemeClr val="tx1"/>
-                      </a:fontRef>
-                    </p:style>
-                  </p:cxnSp>
-                  <p:cxnSp>
-                    <p:nvCxnSpPr>
-                      <p:cNvPr id="12" name="Straight Arrow Connector 11"/>
-                      <p:cNvCxnSpPr/>
-                      <p:nvPr/>
-                    </p:nvCxnSpPr>
-                    <p:spPr>
-                      <a:xfrm flipV="1">
-                        <a:off x="1012185" y="951960"/>
-                        <a:ext cx="0" cy="3116380"/>
-                      </a:xfrm>
-                      <a:prstGeom prst="straightConnector1">
-                        <a:avLst/>
-                      </a:prstGeom>
-                      <a:ln w="50800">
-                        <a:solidFill>
-                          <a:schemeClr val="tx1"/>
-                        </a:solidFill>
-                        <a:tailEnd type="triangle"/>
-                      </a:ln>
-                      <a:effectLst/>
-                    </p:spPr>
-                    <p:style>
-                      <a:lnRef idx="2">
-                        <a:schemeClr val="accent1"/>
-                      </a:lnRef>
-                      <a:fillRef idx="0">
-                        <a:schemeClr val="accent1"/>
-                      </a:fillRef>
-                      <a:effectRef idx="1">
-                        <a:schemeClr val="accent1"/>
-                      </a:effectRef>
-                      <a:fontRef idx="minor">
-                        <a:schemeClr val="tx1"/>
-                      </a:fontRef>
-                    </p:style>
-                  </p:cxnSp>
-                  <p:cxnSp>
-                    <p:nvCxnSpPr>
-                      <p:cNvPr id="13" name="Straight Arrow Connector 12"/>
-                      <p:cNvCxnSpPr/>
-                      <p:nvPr/>
-                    </p:nvCxnSpPr>
-                    <p:spPr>
-                      <a:xfrm flipV="1">
-                        <a:off x="1012185" y="4046879"/>
-                        <a:ext cx="3482804" cy="21461"/>
-                      </a:xfrm>
-                      <a:prstGeom prst="straightConnector1">
-                        <a:avLst/>
-                      </a:prstGeom>
-                      <a:ln w="50800">
-                        <a:solidFill>
-                          <a:schemeClr val="tx1"/>
-                        </a:solidFill>
-                        <a:tailEnd type="triangle"/>
-                      </a:ln>
-                      <a:effectLst/>
-                    </p:spPr>
-                    <p:style>
-                      <a:lnRef idx="2">
-                        <a:schemeClr val="accent1"/>
-                      </a:lnRef>
-                      <a:fillRef idx="0">
-                        <a:schemeClr val="accent1"/>
-                      </a:fillRef>
-                      <a:effectRef idx="1">
-                        <a:schemeClr val="accent1"/>
-                      </a:effectRef>
-                      <a:fontRef idx="minor">
-                        <a:schemeClr val="tx1"/>
-                      </a:fontRef>
-                    </p:style>
-                  </p:cxnSp>
-                  <p:sp>
-                    <p:nvSpPr>
-                      <p:cNvPr id="25" name="Multiply 24"/>
-                      <p:cNvSpPr/>
-                      <p:nvPr/>
-                    </p:nvSpPr>
-                    <p:spPr>
-                      <a:xfrm>
-                        <a:off x="2991351" y="1143643"/>
-                        <a:ext cx="405915" cy="405915"/>
-                      </a:xfrm>
-                      <a:prstGeom prst="mathMultiply">
-                        <a:avLst/>
-                      </a:prstGeom>
-                      <a:solidFill>
-                        <a:srgbClr val="00FF66"/>
-                      </a:solidFill>
-                      <a:ln>
-                        <a:solidFill>
-                          <a:schemeClr val="tx1"/>
-                        </a:solidFill>
-                      </a:ln>
-                      <a:effectLst/>
-                    </p:spPr>
-                    <p:style>
-                      <a:lnRef idx="1">
-                        <a:schemeClr val="accent1"/>
-                      </a:lnRef>
-                      <a:fillRef idx="3">
-                        <a:schemeClr val="accent1"/>
-                      </a:fillRef>
-                      <a:effectRef idx="2">
-                        <a:schemeClr val="accent1"/>
-                      </a:effectRef>
-                      <a:fontRef idx="minor">
-                        <a:schemeClr val="lt1"/>
-                      </a:fontRef>
-                    </p:style>
-                    <p:txBody>
-                      <a:bodyPr rtlCol="0" anchor="ctr"/>
-                      <a:lstStyle/>
-                      <a:p>
-                        <a:pPr algn="ctr"/>
-                        <a:endParaRPr lang="en-US"/>
-                      </a:p>
-                    </p:txBody>
-                  </p:sp>
-                  <p:sp>
-                    <p:nvSpPr>
-                      <p:cNvPr id="26" name="Multiply 25"/>
-                      <p:cNvSpPr/>
-                      <p:nvPr/>
-                    </p:nvSpPr>
-                    <p:spPr>
-                      <a:xfrm>
-                        <a:off x="3043566" y="1776881"/>
-                        <a:ext cx="405915" cy="405915"/>
-                      </a:xfrm>
-                      <a:prstGeom prst="mathMultiply">
-                        <a:avLst/>
-                      </a:prstGeom>
-                      <a:solidFill>
-                        <a:srgbClr val="00FF66"/>
-                      </a:solidFill>
-                      <a:ln>
-                        <a:solidFill>
-                          <a:schemeClr val="tx1"/>
-                        </a:solidFill>
-                      </a:ln>
-                      <a:effectLst/>
-                    </p:spPr>
-                    <p:style>
-                      <a:lnRef idx="1">
-                        <a:schemeClr val="accent1"/>
-                      </a:lnRef>
-                      <a:fillRef idx="3">
-                        <a:schemeClr val="accent1"/>
-                      </a:fillRef>
-                      <a:effectRef idx="2">
-                        <a:schemeClr val="accent1"/>
-                      </a:effectRef>
-                      <a:fontRef idx="minor">
-                        <a:schemeClr val="lt1"/>
-                      </a:fontRef>
-                    </p:style>
-                    <p:txBody>
-                      <a:bodyPr rtlCol="0" anchor="ctr"/>
-                      <a:lstStyle/>
-                      <a:p>
-                        <a:pPr algn="ctr"/>
-                        <a:endParaRPr lang="en-US"/>
-                      </a:p>
-                    </p:txBody>
-                  </p:sp>
-                  <p:sp>
-                    <p:nvSpPr>
-                      <p:cNvPr id="27" name="Multiply 26"/>
-                      <p:cNvSpPr/>
-                      <p:nvPr/>
-                    </p:nvSpPr>
-                    <p:spPr>
-                      <a:xfrm>
-                        <a:off x="3189980" y="2278086"/>
-                        <a:ext cx="405915" cy="405915"/>
-                      </a:xfrm>
-                      <a:prstGeom prst="mathMultiply">
-                        <a:avLst/>
-                      </a:prstGeom>
-                      <a:solidFill>
-                        <a:srgbClr val="00FF66"/>
-                      </a:solidFill>
-                      <a:ln>
-                        <a:solidFill>
-                          <a:schemeClr val="tx1"/>
-                        </a:solidFill>
-                      </a:ln>
-                      <a:effectLst/>
-                    </p:spPr>
-                    <p:style>
-                      <a:lnRef idx="1">
-                        <a:schemeClr val="accent1"/>
-                      </a:lnRef>
-                      <a:fillRef idx="3">
-                        <a:schemeClr val="accent1"/>
-                      </a:fillRef>
-                      <a:effectRef idx="2">
-                        <a:schemeClr val="accent1"/>
-                      </a:effectRef>
-                      <a:fontRef idx="minor">
-                        <a:schemeClr val="lt1"/>
-                      </a:fontRef>
-                    </p:style>
-                    <p:txBody>
-                      <a:bodyPr rtlCol="0" anchor="ctr"/>
-                      <a:lstStyle/>
-                      <a:p>
-                        <a:pPr algn="ctr"/>
-                        <a:endParaRPr lang="en-US"/>
-                      </a:p>
-                    </p:txBody>
-                  </p:sp>
-                  <p:sp>
-                    <p:nvSpPr>
-                      <p:cNvPr id="28" name="Multiply 27"/>
-                      <p:cNvSpPr/>
-                      <p:nvPr/>
-                    </p:nvSpPr>
-                    <p:spPr>
-                      <a:xfrm>
-                        <a:off x="3449481" y="1904915"/>
-                        <a:ext cx="405915" cy="405915"/>
-                      </a:xfrm>
-                      <a:prstGeom prst="mathMultiply">
-                        <a:avLst/>
-                      </a:prstGeom>
-                      <a:solidFill>
-                        <a:srgbClr val="00FF66"/>
-                      </a:solidFill>
-                      <a:ln>
-                        <a:solidFill>
-                          <a:schemeClr val="tx1"/>
-                        </a:solidFill>
-                      </a:ln>
-                      <a:effectLst/>
-                    </p:spPr>
-                    <p:style>
-                      <a:lnRef idx="1">
-                        <a:schemeClr val="accent1"/>
-                      </a:lnRef>
-                      <a:fillRef idx="3">
-                        <a:schemeClr val="accent1"/>
-                      </a:fillRef>
-                      <a:effectRef idx="2">
-                        <a:schemeClr val="accent1"/>
-                      </a:effectRef>
-                      <a:fontRef idx="minor">
-                        <a:schemeClr val="lt1"/>
-                      </a:fontRef>
-                    </p:style>
-                    <p:txBody>
-                      <a:bodyPr rtlCol="0" anchor="ctr"/>
-                      <a:lstStyle/>
-                      <a:p>
-                        <a:pPr algn="ctr"/>
-                        <a:endParaRPr lang="en-US"/>
-                      </a:p>
-                    </p:txBody>
-                  </p:sp>
-                  <p:sp>
-                    <p:nvSpPr>
-                      <p:cNvPr id="29" name="Multiply 28"/>
-                      <p:cNvSpPr/>
-                      <p:nvPr/>
-                    </p:nvSpPr>
-                    <p:spPr>
-                      <a:xfrm>
-                        <a:off x="3855396" y="1035421"/>
-                        <a:ext cx="405915" cy="405915"/>
-                      </a:xfrm>
-                      <a:prstGeom prst="mathMultiply">
-                        <a:avLst/>
-                      </a:prstGeom>
-                      <a:solidFill>
-                        <a:srgbClr val="00FF66"/>
-                      </a:solidFill>
-                      <a:ln>
-                        <a:solidFill>
-                          <a:schemeClr val="tx1"/>
-                        </a:solidFill>
-                      </a:ln>
-                      <a:effectLst/>
-                    </p:spPr>
-                    <p:style>
-                      <a:lnRef idx="1">
-                        <a:schemeClr val="accent1"/>
-                      </a:lnRef>
-                      <a:fillRef idx="3">
-                        <a:schemeClr val="accent1"/>
-                      </a:fillRef>
-                      <a:effectRef idx="2">
-                        <a:schemeClr val="accent1"/>
-                      </a:effectRef>
-                      <a:fontRef idx="minor">
-                        <a:schemeClr val="lt1"/>
-                      </a:fontRef>
-                    </p:style>
-                    <p:txBody>
-                      <a:bodyPr rtlCol="0" anchor="ctr"/>
-                      <a:lstStyle/>
-                      <a:p>
-                        <a:pPr algn="ctr"/>
-                        <a:endParaRPr lang="en-US"/>
-                      </a:p>
-                    </p:txBody>
-                  </p:sp>
-                  <p:sp>
-                    <p:nvSpPr>
-                      <p:cNvPr id="33" name="TextBox 32"/>
-                      <p:cNvSpPr txBox="1"/>
-                      <p:nvPr/>
-                    </p:nvSpPr>
-                    <p:spPr>
-                      <a:xfrm>
-                        <a:off x="1236114" y="4108154"/>
-                        <a:ext cx="2685351" cy="461665"/>
-                      </a:xfrm>
-                      <a:prstGeom prst="rect">
-                        <a:avLst/>
-                      </a:prstGeom>
-                      <a:noFill/>
-                    </p:spPr>
-                    <p:txBody>
-                      <a:bodyPr wrap="none" rtlCol="0">
-                        <a:spAutoFit/>
-                      </a:bodyPr>
-                      <a:lstStyle/>
-                      <a:p>
-                        <a:r>
-                          <a:rPr lang="en-US" sz="2400" dirty="0" smtClean="0">
-                            <a:latin typeface="Gill Sans"/>
-                            <a:cs typeface="Gill Sans"/>
-                          </a:rPr>
-                          <a:t>(a) Systematic Error</a:t>
-                        </a:r>
-                        <a:endParaRPr lang="en-US" sz="2400" dirty="0">
-                          <a:latin typeface="Gill Sans"/>
-                          <a:cs typeface="Gill Sans"/>
-                        </a:endParaRPr>
-                      </a:p>
-                    </p:txBody>
-                  </p:sp>
-                  <p:cxnSp>
-                    <p:nvCxnSpPr>
-                      <p:cNvPr id="34" name="Straight Arrow Connector 33"/>
-                      <p:cNvCxnSpPr/>
-                      <p:nvPr/>
-                    </p:nvCxnSpPr>
-                    <p:spPr>
-                      <a:xfrm flipV="1">
-                        <a:off x="4896162" y="922129"/>
-                        <a:ext cx="0" cy="3116380"/>
-                      </a:xfrm>
-                      <a:prstGeom prst="straightConnector1">
-                        <a:avLst/>
-                      </a:prstGeom>
-                      <a:ln w="50800">
-                        <a:solidFill>
-                          <a:schemeClr val="tx1"/>
-                        </a:solidFill>
-                        <a:tailEnd type="triangle"/>
-                      </a:ln>
-                      <a:effectLst/>
-                    </p:spPr>
-                    <p:style>
-                      <a:lnRef idx="2">
-                        <a:schemeClr val="accent1"/>
-                      </a:lnRef>
-                      <a:fillRef idx="0">
-                        <a:schemeClr val="accent1"/>
-                      </a:fillRef>
-                      <a:effectRef idx="1">
-                        <a:schemeClr val="accent1"/>
-                      </a:effectRef>
-                      <a:fontRef idx="minor">
-                        <a:schemeClr val="tx1"/>
-                      </a:fontRef>
-                    </p:style>
-                  </p:cxnSp>
-                  <p:cxnSp>
-                    <p:nvCxnSpPr>
-                      <p:cNvPr id="35" name="Straight Arrow Connector 34"/>
-                      <p:cNvCxnSpPr/>
-                      <p:nvPr/>
-                    </p:nvCxnSpPr>
-                    <p:spPr>
-                      <a:xfrm flipV="1">
-                        <a:off x="4896162" y="4017048"/>
-                        <a:ext cx="3482804" cy="21461"/>
-                      </a:xfrm>
-                      <a:prstGeom prst="straightConnector1">
-                        <a:avLst/>
-                      </a:prstGeom>
-                      <a:ln w="50800">
-                        <a:solidFill>
-                          <a:schemeClr val="tx1"/>
-                        </a:solidFill>
-                        <a:tailEnd type="triangle"/>
-                      </a:ln>
-                      <a:effectLst/>
-                    </p:spPr>
-                    <p:style>
-                      <a:lnRef idx="2">
-                        <a:schemeClr val="accent1"/>
-                      </a:lnRef>
-                      <a:fillRef idx="0">
-                        <a:schemeClr val="accent1"/>
-                      </a:fillRef>
-                      <a:effectRef idx="1">
-                        <a:schemeClr val="accent1"/>
-                      </a:effectRef>
-                      <a:fontRef idx="minor">
-                        <a:schemeClr val="tx1"/>
-                      </a:fontRef>
-                    </p:style>
-                  </p:cxnSp>
-                  <p:sp>
-                    <p:nvSpPr>
-                      <p:cNvPr id="39" name="Multiply 38"/>
-                      <p:cNvSpPr/>
-                      <p:nvPr/>
-                    </p:nvSpPr>
-                    <p:spPr>
-                      <a:xfrm>
-                        <a:off x="6668041" y="1804529"/>
-                        <a:ext cx="405915" cy="405915"/>
-                      </a:xfrm>
-                      <a:prstGeom prst="mathMultiply">
-                        <a:avLst/>
-                      </a:prstGeom>
-                      <a:solidFill>
-                        <a:srgbClr val="00FF66"/>
-                      </a:solidFill>
-                      <a:ln>
-                        <a:solidFill>
-                          <a:schemeClr val="tx1"/>
-                        </a:solidFill>
-                      </a:ln>
-                      <a:effectLst/>
-                    </p:spPr>
-                    <p:style>
-                      <a:lnRef idx="1">
-                        <a:schemeClr val="accent1"/>
-                      </a:lnRef>
-                      <a:fillRef idx="3">
-                        <a:schemeClr val="accent1"/>
-                      </a:fillRef>
-                      <a:effectRef idx="2">
-                        <a:schemeClr val="accent1"/>
-                      </a:effectRef>
-                      <a:fontRef idx="minor">
-                        <a:schemeClr val="lt1"/>
-                      </a:fontRef>
-                    </p:style>
-                    <p:txBody>
-                      <a:bodyPr rtlCol="0" anchor="ctr"/>
-                      <a:lstStyle/>
-                      <a:p>
-                        <a:pPr algn="ctr"/>
-                        <a:endParaRPr lang="en-US"/>
-                      </a:p>
-                    </p:txBody>
-                  </p:sp>
-                  <p:sp>
-                    <p:nvSpPr>
-                      <p:cNvPr id="41" name="Multiply 40"/>
-                      <p:cNvSpPr/>
-                      <p:nvPr/>
-                    </p:nvSpPr>
-                    <p:spPr>
-                      <a:xfrm>
-                        <a:off x="6870999" y="2303486"/>
-                        <a:ext cx="405915" cy="405915"/>
-                      </a:xfrm>
-                      <a:prstGeom prst="mathMultiply">
-                        <a:avLst/>
-                      </a:prstGeom>
-                      <a:solidFill>
-                        <a:srgbClr val="00FF66"/>
-                      </a:solidFill>
-                      <a:ln>
-                        <a:solidFill>
-                          <a:schemeClr val="tx1"/>
-                        </a:solidFill>
-                      </a:ln>
-                      <a:effectLst/>
-                    </p:spPr>
-                    <p:style>
-                      <a:lnRef idx="1">
-                        <a:schemeClr val="accent1"/>
-                      </a:lnRef>
-                      <a:fillRef idx="3">
-                        <a:schemeClr val="accent1"/>
-                      </a:fillRef>
-                      <a:effectRef idx="2">
-                        <a:schemeClr val="accent1"/>
-                      </a:effectRef>
-                      <a:fontRef idx="minor">
-                        <a:schemeClr val="lt1"/>
-                      </a:fontRef>
-                    </p:style>
-                    <p:txBody>
-                      <a:bodyPr rtlCol="0" anchor="ctr"/>
-                      <a:lstStyle/>
-                      <a:p>
-                        <a:pPr algn="ctr"/>
-                        <a:endParaRPr lang="en-US"/>
-                      </a:p>
-                    </p:txBody>
-                  </p:sp>
-                  <p:cxnSp>
-                    <p:nvCxnSpPr>
-                      <p:cNvPr id="42" name="Straight Connector 41"/>
-                      <p:cNvCxnSpPr/>
-                      <p:nvPr/>
-                    </p:nvCxnSpPr>
-                    <p:spPr>
-                      <a:xfrm flipH="1" flipV="1">
-                        <a:off x="4896162" y="1131637"/>
-                        <a:ext cx="3460202" cy="1885507"/>
-                      </a:xfrm>
-                      <a:prstGeom prst="line">
-                        <a:avLst/>
-                      </a:prstGeom>
-                      <a:ln w="50800">
-                        <a:solidFill>
-                          <a:srgbClr val="FF0000"/>
-                        </a:solidFill>
-                      </a:ln>
-                      <a:effectLst/>
-                    </p:spPr>
-                    <p:style>
-                      <a:lnRef idx="2">
-                        <a:schemeClr val="accent1"/>
-                      </a:lnRef>
-                      <a:fillRef idx="0">
-                        <a:schemeClr val="accent1"/>
-                      </a:fillRef>
-                      <a:effectRef idx="1">
-                        <a:schemeClr val="accent1"/>
-                      </a:effectRef>
-                      <a:fontRef idx="minor">
-                        <a:schemeClr val="tx1"/>
-                      </a:fontRef>
-                    </p:style>
-                  </p:cxnSp>
-                  <p:sp>
-                    <p:nvSpPr>
-                      <p:cNvPr id="43" name="TextBox 42"/>
-                      <p:cNvSpPr txBox="1"/>
-                      <p:nvPr/>
-                    </p:nvSpPr>
-                    <p:spPr>
-                      <a:xfrm>
-                        <a:off x="4896162" y="4112494"/>
-                        <a:ext cx="3460202" cy="461665"/>
-                      </a:xfrm>
-                      <a:prstGeom prst="rect">
-                        <a:avLst/>
-                      </a:prstGeom>
-                      <a:noFill/>
-                    </p:spPr>
-                    <p:txBody>
-                      <a:bodyPr wrap="none" rtlCol="0">
-                        <a:spAutoFit/>
-                      </a:bodyPr>
-                      <a:lstStyle/>
-                      <a:p>
-                        <a:r>
-                          <a:rPr lang="en-US" sz="2400" dirty="0" smtClean="0">
-                            <a:latin typeface="Gill Sans"/>
-                            <a:cs typeface="Gill Sans"/>
-                          </a:rPr>
-                          <a:t>(b) Mixed Dirty and Clean</a:t>
-                        </a:r>
-                        <a:endParaRPr lang="en-US" sz="2400" dirty="0">
-                          <a:latin typeface="Gill Sans"/>
-                          <a:cs typeface="Gill Sans"/>
-                        </a:endParaRPr>
-                      </a:p>
-                    </p:txBody>
-                  </p:sp>
-                  <p:sp>
-                    <p:nvSpPr>
-                      <p:cNvPr id="44" name="Multiply 43"/>
-                      <p:cNvSpPr/>
-                      <p:nvPr/>
-                    </p:nvSpPr>
-                    <p:spPr>
-                      <a:xfrm>
-                        <a:off x="5200790" y="1093085"/>
-                        <a:ext cx="405915" cy="405915"/>
-                      </a:xfrm>
-                      <a:prstGeom prst="mathMultiply">
-                        <a:avLst/>
-                      </a:prstGeom>
-                      <a:solidFill>
-                        <a:schemeClr val="accent6">
-                          <a:lumMod val="50000"/>
-                          <a:alpha val="83000"/>
-                        </a:schemeClr>
-                      </a:solidFill>
-                      <a:ln>
-                        <a:solidFill>
-                          <a:schemeClr val="tx1"/>
-                        </a:solidFill>
-                      </a:ln>
-                      <a:effectLst/>
-                    </p:spPr>
-                    <p:style>
-                      <a:lnRef idx="1">
-                        <a:schemeClr val="accent1"/>
-                      </a:lnRef>
-                      <a:fillRef idx="3">
-                        <a:schemeClr val="accent1"/>
-                      </a:fillRef>
-                      <a:effectRef idx="2">
-                        <a:schemeClr val="accent1"/>
-                      </a:effectRef>
-                      <a:fontRef idx="minor">
-                        <a:schemeClr val="lt1"/>
-                      </a:fontRef>
-                    </p:style>
-                    <p:txBody>
-                      <a:bodyPr rtlCol="0" anchor="ctr"/>
-                      <a:lstStyle/>
-                      <a:p>
-                        <a:pPr algn="ctr"/>
-                        <a:endParaRPr lang="en-US"/>
-                      </a:p>
-                    </p:txBody>
-                  </p:sp>
-                  <p:sp>
-                    <p:nvSpPr>
-                      <p:cNvPr id="45" name="Multiply 44"/>
-                      <p:cNvSpPr/>
-                      <p:nvPr/>
-                    </p:nvSpPr>
-                    <p:spPr>
-                      <a:xfrm>
-                        <a:off x="5606705" y="1979838"/>
-                        <a:ext cx="405915" cy="405915"/>
-                      </a:xfrm>
-                      <a:prstGeom prst="mathMultiply">
-                        <a:avLst/>
-                      </a:prstGeom>
-                      <a:solidFill>
-                        <a:schemeClr val="accent6">
-                          <a:lumMod val="50000"/>
-                          <a:alpha val="83000"/>
-                        </a:schemeClr>
-                      </a:solidFill>
-                      <a:ln>
-                        <a:solidFill>
-                          <a:schemeClr val="tx1"/>
-                        </a:solidFill>
-                      </a:ln>
-                      <a:effectLst/>
-                    </p:spPr>
-                    <p:style>
-                      <a:lnRef idx="1">
-                        <a:schemeClr val="accent1"/>
-                      </a:lnRef>
-                      <a:fillRef idx="3">
-                        <a:schemeClr val="accent1"/>
-                      </a:fillRef>
-                      <a:effectRef idx="2">
-                        <a:schemeClr val="accent1"/>
-                      </a:effectRef>
-                      <a:fontRef idx="minor">
-                        <a:schemeClr val="lt1"/>
-                      </a:fontRef>
-                    </p:style>
-                    <p:txBody>
-                      <a:bodyPr rtlCol="0" anchor="ctr"/>
-                      <a:lstStyle/>
-                      <a:p>
-                        <a:pPr algn="ctr"/>
-                        <a:endParaRPr lang="en-US"/>
-                      </a:p>
-                    </p:txBody>
-                  </p:sp>
-                  <p:sp>
-                    <p:nvSpPr>
-                      <p:cNvPr id="47" name="Multiply 46"/>
-                      <p:cNvSpPr/>
-                      <p:nvPr/>
-                    </p:nvSpPr>
-                    <p:spPr>
-                      <a:xfrm>
-                        <a:off x="6015940" y="1093085"/>
-                        <a:ext cx="405915" cy="405915"/>
-                      </a:xfrm>
-                      <a:prstGeom prst="mathMultiply">
-                        <a:avLst/>
-                      </a:prstGeom>
-                      <a:solidFill>
-                        <a:schemeClr val="accent6">
-                          <a:lumMod val="50000"/>
-                          <a:alpha val="83000"/>
-                        </a:schemeClr>
-                      </a:solidFill>
-                      <a:ln>
-                        <a:solidFill>
-                          <a:schemeClr val="tx1"/>
-                        </a:solidFill>
-                      </a:ln>
-                      <a:effectLst/>
-                    </p:spPr>
-                    <p:style>
-                      <a:lnRef idx="1">
-                        <a:schemeClr val="accent1"/>
-                      </a:lnRef>
-                      <a:fillRef idx="3">
-                        <a:schemeClr val="accent1"/>
-                      </a:fillRef>
-                      <a:effectRef idx="2">
-                        <a:schemeClr val="accent1"/>
-                      </a:effectRef>
-                      <a:fontRef idx="minor">
-                        <a:schemeClr val="lt1"/>
-                      </a:fontRef>
-                    </p:style>
-                    <p:txBody>
-                      <a:bodyPr rtlCol="0" anchor="ctr"/>
-                      <a:lstStyle/>
-                      <a:p>
-                        <a:pPr algn="ctr"/>
-                        <a:endParaRPr lang="en-US"/>
-                      </a:p>
-                    </p:txBody>
-                  </p:sp>
-                  <p:sp>
-                    <p:nvSpPr>
-                      <p:cNvPr id="52" name="Multiply 51"/>
-                      <p:cNvSpPr/>
-                      <p:nvPr/>
-                    </p:nvSpPr>
-                    <p:spPr>
-                      <a:xfrm>
-                        <a:off x="1253911" y="1134190"/>
-                        <a:ext cx="405915" cy="405915"/>
-                      </a:xfrm>
-                      <a:prstGeom prst="mathMultiply">
-                        <a:avLst/>
-                      </a:prstGeom>
-                      <a:solidFill>
-                        <a:schemeClr val="accent6">
-                          <a:lumMod val="50000"/>
-                          <a:alpha val="83000"/>
-                        </a:schemeClr>
-                      </a:solidFill>
-                      <a:ln>
-                        <a:solidFill>
-                          <a:schemeClr val="tx1"/>
-                        </a:solidFill>
-                      </a:ln>
-                      <a:effectLst/>
-                    </p:spPr>
-                    <p:style>
-                      <a:lnRef idx="1">
-                        <a:schemeClr val="accent1"/>
-                      </a:lnRef>
-                      <a:fillRef idx="3">
-                        <a:schemeClr val="accent1"/>
-                      </a:fillRef>
-                      <a:effectRef idx="2">
-                        <a:schemeClr val="accent1"/>
-                      </a:effectRef>
-                      <a:fontRef idx="minor">
-                        <a:schemeClr val="lt1"/>
-                      </a:fontRef>
-                    </p:style>
-                    <p:txBody>
-                      <a:bodyPr rtlCol="0" anchor="ctr"/>
-                      <a:lstStyle/>
-                      <a:p>
-                        <a:pPr algn="ctr"/>
-                        <a:endParaRPr lang="en-US"/>
-                      </a:p>
-                    </p:txBody>
-                  </p:sp>
-                  <p:sp>
-                    <p:nvSpPr>
-                      <p:cNvPr id="53" name="Multiply 52"/>
-                      <p:cNvSpPr/>
-                      <p:nvPr/>
-                    </p:nvSpPr>
-                    <p:spPr>
-                      <a:xfrm>
-                        <a:off x="1306126" y="1767428"/>
-                        <a:ext cx="405915" cy="405915"/>
-                      </a:xfrm>
-                      <a:prstGeom prst="mathMultiply">
-                        <a:avLst/>
-                      </a:prstGeom>
-                      <a:solidFill>
-                        <a:schemeClr val="accent6">
-                          <a:lumMod val="50000"/>
-                          <a:alpha val="83000"/>
-                        </a:schemeClr>
-                      </a:solidFill>
-                      <a:ln>
-                        <a:solidFill>
-                          <a:schemeClr val="tx1"/>
-                        </a:solidFill>
-                      </a:ln>
-                      <a:effectLst/>
-                    </p:spPr>
-                    <p:style>
-                      <a:lnRef idx="1">
-                        <a:schemeClr val="accent1"/>
-                      </a:lnRef>
-                      <a:fillRef idx="3">
-                        <a:schemeClr val="accent1"/>
-                      </a:fillRef>
-                      <a:effectRef idx="2">
-                        <a:schemeClr val="accent1"/>
-                      </a:effectRef>
-                      <a:fontRef idx="minor">
-                        <a:schemeClr val="lt1"/>
-                      </a:fontRef>
-                    </p:style>
-                    <p:txBody>
-                      <a:bodyPr rtlCol="0" anchor="ctr"/>
-                      <a:lstStyle/>
-                      <a:p>
-                        <a:pPr algn="ctr"/>
-                        <a:endParaRPr lang="en-US"/>
-                      </a:p>
-                    </p:txBody>
-                  </p:sp>
-                  <p:sp>
-                    <p:nvSpPr>
-                      <p:cNvPr id="54" name="Multiply 53"/>
-                      <p:cNvSpPr/>
-                      <p:nvPr/>
-                    </p:nvSpPr>
-                    <p:spPr>
-                      <a:xfrm>
-                        <a:off x="1452540" y="2268633"/>
-                        <a:ext cx="405915" cy="405915"/>
-                      </a:xfrm>
-                      <a:prstGeom prst="mathMultiply">
-                        <a:avLst/>
-                      </a:prstGeom>
-                      <a:solidFill>
-                        <a:schemeClr val="accent6">
-                          <a:lumMod val="50000"/>
-                          <a:alpha val="83000"/>
-                        </a:schemeClr>
-                      </a:solidFill>
-                      <a:ln>
-                        <a:solidFill>
-                          <a:schemeClr val="tx1"/>
-                        </a:solidFill>
-                      </a:ln>
-                      <a:effectLst/>
-                    </p:spPr>
-                    <p:style>
-                      <a:lnRef idx="1">
-                        <a:schemeClr val="accent1"/>
-                      </a:lnRef>
-                      <a:fillRef idx="3">
-                        <a:schemeClr val="accent1"/>
-                      </a:fillRef>
-                      <a:effectRef idx="2">
-                        <a:schemeClr val="accent1"/>
-                      </a:effectRef>
-                      <a:fontRef idx="minor">
-                        <a:schemeClr val="lt1"/>
-                      </a:fontRef>
-                    </p:style>
-                    <p:txBody>
-                      <a:bodyPr rtlCol="0" anchor="ctr"/>
-                      <a:lstStyle/>
-                      <a:p>
-                        <a:pPr algn="ctr"/>
-                        <a:endParaRPr lang="en-US"/>
-                      </a:p>
-                    </p:txBody>
-                  </p:sp>
-                  <p:sp>
-                    <p:nvSpPr>
-                      <p:cNvPr id="55" name="Multiply 54"/>
-                      <p:cNvSpPr/>
-                      <p:nvPr/>
-                    </p:nvSpPr>
-                    <p:spPr>
-                      <a:xfrm>
-                        <a:off x="1712041" y="1895462"/>
-                        <a:ext cx="405915" cy="405915"/>
-                      </a:xfrm>
-                      <a:prstGeom prst="mathMultiply">
-                        <a:avLst/>
-                      </a:prstGeom>
-                      <a:solidFill>
-                        <a:schemeClr val="accent6">
-                          <a:lumMod val="50000"/>
-                          <a:alpha val="83000"/>
-                        </a:schemeClr>
-                      </a:solidFill>
-                      <a:ln>
-                        <a:solidFill>
-                          <a:schemeClr val="tx1"/>
-                        </a:solidFill>
-                      </a:ln>
-                      <a:effectLst/>
-                    </p:spPr>
-                    <p:style>
-                      <a:lnRef idx="1">
-                        <a:schemeClr val="accent1"/>
-                      </a:lnRef>
-                      <a:fillRef idx="3">
-                        <a:schemeClr val="accent1"/>
-                      </a:fillRef>
-                      <a:effectRef idx="2">
-                        <a:schemeClr val="accent1"/>
-                      </a:effectRef>
-                      <a:fontRef idx="minor">
-                        <a:schemeClr val="lt1"/>
-                      </a:fontRef>
-                    </p:style>
-                    <p:txBody>
-                      <a:bodyPr rtlCol="0" anchor="ctr"/>
-                      <a:lstStyle/>
-                      <a:p>
-                        <a:pPr algn="ctr"/>
-                        <a:endParaRPr lang="en-US"/>
-                      </a:p>
-                    </p:txBody>
-                  </p:sp>
-                  <p:sp>
-                    <p:nvSpPr>
-                      <p:cNvPr id="56" name="Multiply 55"/>
-                      <p:cNvSpPr/>
-                      <p:nvPr/>
-                    </p:nvSpPr>
-                    <p:spPr>
-                      <a:xfrm>
-                        <a:off x="2065741" y="1035421"/>
-                        <a:ext cx="405915" cy="405915"/>
-                      </a:xfrm>
-                      <a:prstGeom prst="mathMultiply">
-                        <a:avLst/>
-                      </a:prstGeom>
-                      <a:solidFill>
-                        <a:schemeClr val="accent6">
-                          <a:lumMod val="50000"/>
-                          <a:alpha val="83000"/>
-                        </a:schemeClr>
-                      </a:solidFill>
-                      <a:ln>
-                        <a:solidFill>
-                          <a:schemeClr val="tx1"/>
-                        </a:solidFill>
-                      </a:ln>
-                      <a:effectLst/>
-                    </p:spPr>
-                    <p:style>
-                      <a:lnRef idx="1">
-                        <a:schemeClr val="accent1"/>
-                      </a:lnRef>
-                      <a:fillRef idx="3">
-                        <a:schemeClr val="accent1"/>
-                      </a:fillRef>
-                      <a:effectRef idx="2">
-                        <a:schemeClr val="accent1"/>
-                      </a:effectRef>
-                      <a:fontRef idx="minor">
-                        <a:schemeClr val="lt1"/>
-                      </a:fontRef>
-                    </p:style>
-                    <p:txBody>
-                      <a:bodyPr rtlCol="0" anchor="ctr"/>
-                      <a:lstStyle/>
-                      <a:p>
-                        <a:pPr algn="ctr"/>
-                        <a:endParaRPr lang="en-US"/>
-                      </a:p>
-                    </p:txBody>
-                  </p:sp>
-                  <p:cxnSp>
-                    <p:nvCxnSpPr>
-                      <p:cNvPr id="72" name="Straight Arrow Connector 71"/>
-                      <p:cNvCxnSpPr/>
-                      <p:nvPr/>
-                    </p:nvCxnSpPr>
-                    <p:spPr>
-                      <a:xfrm flipV="1">
-                        <a:off x="8862989" y="932859"/>
-                        <a:ext cx="0" cy="3116380"/>
-                      </a:xfrm>
-                      <a:prstGeom prst="straightConnector1">
-                        <a:avLst/>
-                      </a:prstGeom>
-                      <a:ln w="50800">
-                        <a:solidFill>
-                          <a:schemeClr val="tx1"/>
-                        </a:solidFill>
-                        <a:tailEnd type="triangle"/>
-                      </a:ln>
-                      <a:effectLst/>
-                    </p:spPr>
-                    <p:style>
-                      <a:lnRef idx="2">
-                        <a:schemeClr val="accent1"/>
-                      </a:lnRef>
-                      <a:fillRef idx="0">
-                        <a:schemeClr val="accent1"/>
-                      </a:fillRef>
-                      <a:effectRef idx="1">
-                        <a:schemeClr val="accent1"/>
-                      </a:effectRef>
-                      <a:fontRef idx="minor">
-                        <a:schemeClr val="tx1"/>
-                      </a:fontRef>
-                    </p:style>
-                  </p:cxnSp>
-                  <p:cxnSp>
-                    <p:nvCxnSpPr>
-                      <p:cNvPr id="73" name="Straight Arrow Connector 72"/>
-                      <p:cNvCxnSpPr/>
-                      <p:nvPr/>
-                    </p:nvCxnSpPr>
-                    <p:spPr>
-                      <a:xfrm flipV="1">
-                        <a:off x="8862989" y="4027778"/>
-                        <a:ext cx="3482804" cy="21461"/>
-                      </a:xfrm>
-                      <a:prstGeom prst="straightConnector1">
-                        <a:avLst/>
-                      </a:prstGeom>
-                      <a:ln w="50800">
-                        <a:solidFill>
-                          <a:schemeClr val="tx1"/>
-                        </a:solidFill>
-                        <a:tailEnd type="triangle"/>
-                      </a:ln>
-                      <a:effectLst/>
-                    </p:spPr>
-                    <p:style>
-                      <a:lnRef idx="2">
-                        <a:schemeClr val="accent1"/>
-                      </a:lnRef>
-                      <a:fillRef idx="0">
-                        <a:schemeClr val="accent1"/>
-                      </a:fillRef>
-                      <a:effectRef idx="1">
-                        <a:schemeClr val="accent1"/>
-                      </a:effectRef>
-                      <a:fontRef idx="minor">
-                        <a:schemeClr val="tx1"/>
-                      </a:fontRef>
-                    </p:style>
-                  </p:cxnSp>
-                  <p:sp>
-                    <p:nvSpPr>
-                      <p:cNvPr id="74" name="Multiply 73"/>
-                      <p:cNvSpPr/>
-                      <p:nvPr/>
-                    </p:nvSpPr>
-                    <p:spPr>
-                      <a:xfrm>
-                        <a:off x="11320175" y="2165580"/>
-                        <a:ext cx="405915" cy="405915"/>
-                      </a:xfrm>
-                      <a:prstGeom prst="mathMultiply">
-                        <a:avLst/>
-                      </a:prstGeom>
-                      <a:solidFill>
-                        <a:srgbClr val="00FF66"/>
-                      </a:solidFill>
-                      <a:ln>
-                        <a:solidFill>
-                          <a:schemeClr val="tx1"/>
-                        </a:solidFill>
-                      </a:ln>
-                      <a:effectLst/>
-                    </p:spPr>
-                    <p:style>
-                      <a:lnRef idx="1">
-                        <a:schemeClr val="accent1"/>
-                      </a:lnRef>
-                      <a:fillRef idx="3">
-                        <a:schemeClr val="accent1"/>
-                      </a:fillRef>
-                      <a:effectRef idx="2">
-                        <a:schemeClr val="accent1"/>
-                      </a:effectRef>
-                      <a:fontRef idx="minor">
-                        <a:schemeClr val="lt1"/>
-                      </a:fontRef>
-                    </p:style>
-                    <p:txBody>
-                      <a:bodyPr rtlCol="0" anchor="ctr"/>
-                      <a:lstStyle/>
-                      <a:p>
-                        <a:pPr algn="ctr"/>
-                        <a:endParaRPr lang="en-US"/>
-                      </a:p>
-                    </p:txBody>
-                  </p:sp>
-                  <p:sp>
-                    <p:nvSpPr>
-                      <p:cNvPr id="75" name="Multiply 74"/>
-                      <p:cNvSpPr/>
-                      <p:nvPr/>
-                    </p:nvSpPr>
-                    <p:spPr>
-                      <a:xfrm>
-                        <a:off x="11137493" y="1665164"/>
-                        <a:ext cx="405915" cy="405915"/>
-                      </a:xfrm>
-                      <a:prstGeom prst="mathMultiply">
-                        <a:avLst/>
-                      </a:prstGeom>
-                      <a:solidFill>
-                        <a:srgbClr val="00FF66"/>
-                      </a:solidFill>
-                      <a:ln>
-                        <a:solidFill>
-                          <a:schemeClr val="tx1"/>
-                        </a:solidFill>
-                      </a:ln>
-                      <a:effectLst/>
-                    </p:spPr>
-                    <p:style>
-                      <a:lnRef idx="1">
-                        <a:schemeClr val="accent1"/>
-                      </a:lnRef>
-                      <a:fillRef idx="3">
-                        <a:schemeClr val="accent1"/>
-                      </a:fillRef>
-                      <a:effectRef idx="2">
-                        <a:schemeClr val="accent1"/>
-                      </a:effectRef>
-                      <a:fontRef idx="minor">
-                        <a:schemeClr val="lt1"/>
-                      </a:fontRef>
-                    </p:style>
-                    <p:txBody>
-                      <a:bodyPr rtlCol="0" anchor="ctr"/>
-                      <a:lstStyle/>
-                      <a:p>
-                        <a:pPr algn="ctr"/>
-                        <a:endParaRPr lang="en-US"/>
-                      </a:p>
-                    </p:txBody>
-                  </p:sp>
-                  <p:sp>
-                    <p:nvSpPr>
-                      <p:cNvPr id="77" name="TextBox 76"/>
-                      <p:cNvSpPr txBox="1"/>
-                      <p:nvPr/>
-                    </p:nvSpPr>
-                    <p:spPr>
-                      <a:xfrm>
-                        <a:off x="9051431" y="4112494"/>
-                        <a:ext cx="3124323" cy="461665"/>
-                      </a:xfrm>
-                      <a:prstGeom prst="rect">
-                        <a:avLst/>
-                      </a:prstGeom>
-                      <a:noFill/>
-                    </p:spPr>
-                    <p:txBody>
-                      <a:bodyPr wrap="none" rtlCol="0">
-                        <a:spAutoFit/>
-                      </a:bodyPr>
-                      <a:lstStyle/>
-                      <a:p>
-                        <a:r>
-                          <a:rPr lang="en-US" sz="2400" dirty="0" smtClean="0">
-                            <a:latin typeface="Gill Sans"/>
-                            <a:cs typeface="Gill Sans"/>
-                          </a:rPr>
-                          <a:t>(c) Sampled Clean Data</a:t>
-                        </a:r>
-                        <a:endParaRPr lang="en-US" sz="2400" dirty="0">
-                          <a:latin typeface="Gill Sans"/>
-                          <a:cs typeface="Gill Sans"/>
-                        </a:endParaRPr>
-                      </a:p>
-                    </p:txBody>
-                  </p:sp>
-                  <p:cxnSp>
-                    <p:nvCxnSpPr>
-                      <p:cNvPr id="31" name="Straight Connector 30"/>
-                      <p:cNvCxnSpPr/>
-                      <p:nvPr/>
-                    </p:nvCxnSpPr>
-                    <p:spPr>
-                      <a:xfrm flipV="1">
-                        <a:off x="1921357" y="964236"/>
-                        <a:ext cx="2142643" cy="3125833"/>
-                      </a:xfrm>
-                      <a:prstGeom prst="line">
-                        <a:avLst/>
-                      </a:prstGeom>
-                      <a:ln w="50800">
-                        <a:solidFill>
-                          <a:srgbClr val="3366FF"/>
-                        </a:solidFill>
-                      </a:ln>
-                      <a:effectLst/>
-                    </p:spPr>
-                    <p:style>
-                      <a:lnRef idx="2">
-                        <a:schemeClr val="accent1"/>
-                      </a:lnRef>
-                      <a:fillRef idx="0">
-                        <a:schemeClr val="accent1"/>
-                      </a:fillRef>
-                      <a:effectRef idx="1">
-                        <a:schemeClr val="accent1"/>
-                      </a:effectRef>
-                      <a:fontRef idx="minor">
-                        <a:schemeClr val="tx1"/>
-                      </a:fontRef>
-                    </p:style>
-                  </p:cxnSp>
-                  <p:cxnSp>
-                    <p:nvCxnSpPr>
-                      <p:cNvPr id="51" name="Straight Connector 50"/>
-                      <p:cNvCxnSpPr/>
-                      <p:nvPr/>
-                    </p:nvCxnSpPr>
-                    <p:spPr>
-                      <a:xfrm flipV="1">
-                        <a:off x="1046625" y="964236"/>
-                        <a:ext cx="1163141" cy="1790702"/>
-                      </a:xfrm>
-                      <a:prstGeom prst="line">
-                        <a:avLst/>
-                      </a:prstGeom>
-                      <a:ln w="50800">
-                        <a:solidFill>
-                          <a:srgbClr val="FF0000"/>
-                        </a:solidFill>
-                      </a:ln>
-                      <a:effectLst/>
-                    </p:spPr>
-                    <p:style>
-                      <a:lnRef idx="2">
-                        <a:schemeClr val="accent1"/>
-                      </a:lnRef>
-                      <a:fillRef idx="0">
-                        <a:schemeClr val="accent1"/>
-                      </a:fillRef>
-                      <a:effectRef idx="1">
-                        <a:schemeClr val="accent1"/>
-                      </a:effectRef>
-                      <a:fontRef idx="minor">
-                        <a:schemeClr val="tx1"/>
-                      </a:fontRef>
-                    </p:style>
-                  </p:cxnSp>
-                </p:grpSp>
-                <p:sp>
-                  <p:nvSpPr>
-                    <p:cNvPr id="2" name="Rectangle 1"/>
-                    <p:cNvSpPr/>
-                    <p:nvPr/>
-                  </p:nvSpPr>
-                  <p:spPr>
-                    <a:xfrm>
-                      <a:off x="3539845" y="3334016"/>
-                      <a:ext cx="197311" cy="200528"/>
-                    </a:xfrm>
-                    <a:prstGeom prst="rect">
-                      <a:avLst/>
-                    </a:prstGeom>
-                    <a:solidFill>
-                      <a:srgbClr val="00FF66"/>
-                    </a:solidFill>
-                    <a:ln w="34925">
-                      <a:solidFill>
-                        <a:schemeClr val="tx1"/>
-                      </a:solidFill>
-                    </a:ln>
-                    <a:effectLst/>
-                  </p:spPr>
-                  <p:style>
-                    <a:lnRef idx="1">
-                      <a:schemeClr val="accent1"/>
-                    </a:lnRef>
-                    <a:fillRef idx="3">
-                      <a:schemeClr val="accent1"/>
-                    </a:fillRef>
-                    <a:effectRef idx="2">
-                      <a:schemeClr val="accent1"/>
-                    </a:effectRef>
-                    <a:fontRef idx="minor">
-                      <a:schemeClr val="lt1"/>
-                    </a:fontRef>
-                  </p:style>
-                  <p:txBody>
-                    <a:bodyPr rtlCol="0" anchor="ctr"/>
-                    <a:lstStyle/>
-                    <a:p>
-                      <a:pPr algn="ctr"/>
-                      <a:endParaRPr lang="en-US"/>
-                    </a:p>
-                  </p:txBody>
-                </p:sp>
-                <p:sp>
-                  <p:nvSpPr>
-                    <p:cNvPr id="3" name="TextBox 2"/>
-                    <p:cNvSpPr txBox="1"/>
-                    <p:nvPr/>
-                  </p:nvSpPr>
-                  <p:spPr>
-                    <a:xfrm>
-                      <a:off x="3700024" y="3249614"/>
-                      <a:ext cx="723200" cy="369332"/>
-                    </a:xfrm>
-                    <a:prstGeom prst="rect">
-                      <a:avLst/>
-                    </a:prstGeom>
-                    <a:noFill/>
-                  </p:spPr>
-                  <p:txBody>
-                    <a:bodyPr wrap="none" rtlCol="0">
-                      <a:spAutoFit/>
-                    </a:bodyPr>
-                    <a:lstStyle/>
-                    <a:p>
-                      <a:r>
-                        <a:rPr lang="en-US" dirty="0" smtClean="0">
-                          <a:latin typeface="Gill Sans"/>
-                          <a:cs typeface="Gill Sans"/>
-                        </a:rPr>
-                        <a:t>Clean</a:t>
-                      </a:r>
-                      <a:endParaRPr lang="en-US" dirty="0">
-                        <a:latin typeface="Gill Sans"/>
-                        <a:cs typeface="Gill Sans"/>
-                      </a:endParaRPr>
-                    </a:p>
-                  </p:txBody>
-                </p:sp>
-                <p:sp>
-                  <p:nvSpPr>
-                    <p:cNvPr id="49" name="Rectangle 48"/>
-                    <p:cNvSpPr/>
-                    <p:nvPr/>
-                  </p:nvSpPr>
-                  <p:spPr>
-                    <a:xfrm>
-                      <a:off x="3539845" y="3703348"/>
-                      <a:ext cx="197311" cy="200528"/>
-                    </a:xfrm>
-                    <a:prstGeom prst="rect">
-                      <a:avLst/>
-                    </a:prstGeom>
-                    <a:solidFill>
-                      <a:schemeClr val="accent6">
-                        <a:lumMod val="50000"/>
-                      </a:schemeClr>
-                    </a:solidFill>
-                    <a:ln w="34925">
-                      <a:solidFill>
-                        <a:schemeClr val="tx1"/>
-                      </a:solidFill>
-                    </a:ln>
-                    <a:effectLst/>
-                  </p:spPr>
-                  <p:style>
-                    <a:lnRef idx="1">
-                      <a:schemeClr val="accent1"/>
-                    </a:lnRef>
-                    <a:fillRef idx="3">
-                      <a:schemeClr val="accent1"/>
-                    </a:fillRef>
-                    <a:effectRef idx="2">
-                      <a:schemeClr val="accent1"/>
-                    </a:effectRef>
-                    <a:fontRef idx="minor">
-                      <a:schemeClr val="lt1"/>
-                    </a:fontRef>
-                  </p:style>
-                  <p:txBody>
-                    <a:bodyPr rtlCol="0" anchor="ctr"/>
-                    <a:lstStyle/>
-                    <a:p>
-                      <a:pPr algn="ctr"/>
-                      <a:endParaRPr lang="en-US"/>
-                    </a:p>
-                  </p:txBody>
-                </p:sp>
-                <p:sp>
-                  <p:nvSpPr>
-                    <p:cNvPr id="50" name="TextBox 49"/>
-                    <p:cNvSpPr txBox="1"/>
-                    <p:nvPr/>
-                  </p:nvSpPr>
-                  <p:spPr>
-                    <a:xfrm>
-                      <a:off x="3700024" y="3618946"/>
-                      <a:ext cx="684803" cy="369332"/>
-                    </a:xfrm>
-                    <a:prstGeom prst="rect">
-                      <a:avLst/>
-                    </a:prstGeom>
-                    <a:noFill/>
-                  </p:spPr>
-                  <p:txBody>
-                    <a:bodyPr wrap="none" rtlCol="0">
-                      <a:spAutoFit/>
-                    </a:bodyPr>
-                    <a:lstStyle/>
-                    <a:p>
-                      <a:r>
-                        <a:rPr lang="en-US" dirty="0" smtClean="0">
-                          <a:latin typeface="Gill Sans"/>
-                          <a:cs typeface="Gill Sans"/>
-                        </a:rPr>
-                        <a:t>Dirty</a:t>
-                      </a:r>
-                      <a:endParaRPr lang="en-US" dirty="0">
-                        <a:latin typeface="Gill Sans"/>
-                        <a:cs typeface="Gill Sans"/>
-                      </a:endParaRPr>
-                    </a:p>
-                  </p:txBody>
-                </p:sp>
-              </p:grpSp>
-              <p:cxnSp>
-                <p:nvCxnSpPr>
-                  <p:cNvPr id="48" name="Straight Connector 47"/>
-                  <p:cNvCxnSpPr/>
-                  <p:nvPr/>
-                </p:nvCxnSpPr>
-                <p:spPr>
-                  <a:xfrm flipV="1">
-                    <a:off x="6015940" y="1103539"/>
-                    <a:ext cx="1907694" cy="2936971"/>
-                  </a:xfrm>
-                  <a:prstGeom prst="line">
-                    <a:avLst/>
-                  </a:prstGeom>
-                  <a:ln w="50800">
-                    <a:solidFill>
-                      <a:srgbClr val="3366FF">
-                        <a:alpha val="40000"/>
-                      </a:srgbClr>
-                    </a:solidFill>
-                  </a:ln>
-                  <a:effectLst/>
-                </p:spPr>
-                <p:style>
-                  <a:lnRef idx="2">
-                    <a:schemeClr val="accent1"/>
-                  </a:lnRef>
-                  <a:fillRef idx="0">
-                    <a:schemeClr val="accent1"/>
-                  </a:fillRef>
-                  <a:effectRef idx="1">
-                    <a:schemeClr val="accent1"/>
-                  </a:effectRef>
-                  <a:fontRef idx="minor">
-                    <a:schemeClr val="tx1"/>
-                  </a:fontRef>
-                </p:style>
-              </p:cxnSp>
-              <p:cxnSp>
-                <p:nvCxnSpPr>
-                  <p:cNvPr id="58" name="Straight Connector 57"/>
-                  <p:cNvCxnSpPr/>
-                  <p:nvPr/>
-                </p:nvCxnSpPr>
-                <p:spPr>
-                  <a:xfrm flipV="1">
-                    <a:off x="10083780" y="1119738"/>
-                    <a:ext cx="1907694" cy="2936971"/>
-                  </a:xfrm>
-                  <a:prstGeom prst="line">
-                    <a:avLst/>
-                  </a:prstGeom>
-                  <a:ln w="50800">
-                    <a:solidFill>
-                      <a:srgbClr val="3366FF">
-                        <a:alpha val="40000"/>
-                      </a:srgbClr>
-                    </a:solidFill>
-                  </a:ln>
-                  <a:effectLst/>
-                </p:spPr>
-                <p:style>
-                  <a:lnRef idx="2">
-                    <a:schemeClr val="accent1"/>
-                  </a:lnRef>
-                  <a:fillRef idx="0">
-                    <a:schemeClr val="accent1"/>
-                  </a:fillRef>
-                  <a:effectRef idx="1">
-                    <a:schemeClr val="accent1"/>
-                  </a:effectRef>
-                  <a:fontRef idx="minor">
-                    <a:schemeClr val="tx1"/>
-                  </a:fontRef>
-                </p:style>
-              </p:cxnSp>
-            </p:grpSp>
-            <p:sp>
-              <p:nvSpPr>
-                <p:cNvPr id="14" name="TextBox 13"/>
-                <p:cNvSpPr txBox="1"/>
-                <p:nvPr/>
-              </p:nvSpPr>
-              <p:spPr>
-                <a:xfrm>
-                  <a:off x="1378157" y="3644898"/>
-                  <a:ext cx="750363" cy="369332"/>
-                </a:xfrm>
-                <a:prstGeom prst="rect">
-                  <a:avLst/>
-                </a:prstGeom>
-                <a:noFill/>
-              </p:spPr>
-              <p:txBody>
-                <a:bodyPr wrap="none" rtlCol="0">
-                  <a:spAutoFit/>
-                </a:bodyPr>
-                <a:lstStyle/>
-                <a:p>
-                  <a:r>
-                    <a:rPr lang="en-US" b="1" dirty="0" smtClean="0">
-                      <a:solidFill>
-                        <a:srgbClr val="3366FF"/>
-                      </a:solidFill>
-                      <a:latin typeface="Gill Sans"/>
-                      <a:cs typeface="Gill Sans"/>
-                    </a:rPr>
-                    <a:t>True</a:t>
-                  </a:r>
-                  <a:endParaRPr lang="en-US" b="1" dirty="0">
-                    <a:solidFill>
-                      <a:srgbClr val="3366FF"/>
-                    </a:solidFill>
-                    <a:latin typeface="Gill Sans"/>
-                    <a:cs typeface="Gill Sans"/>
-                  </a:endParaRPr>
-                </a:p>
-              </p:txBody>
-            </p:sp>
-            <p:sp>
-              <p:nvSpPr>
-                <p:cNvPr id="60" name="TextBox 59"/>
-                <p:cNvSpPr txBox="1"/>
-                <p:nvPr/>
-              </p:nvSpPr>
-              <p:spPr>
-                <a:xfrm>
-                  <a:off x="299105" y="2593702"/>
-                  <a:ext cx="941283" cy="369332"/>
-                </a:xfrm>
-                <a:prstGeom prst="rect">
-                  <a:avLst/>
-                </a:prstGeom>
-                <a:noFill/>
-              </p:spPr>
-              <p:txBody>
-                <a:bodyPr wrap="none" rtlCol="0">
-                  <a:spAutoFit/>
-                </a:bodyPr>
-                <a:lstStyle/>
-                <a:p>
-                  <a:r>
-                    <a:rPr lang="en-US" b="1" dirty="0" smtClean="0">
-                      <a:solidFill>
-                        <a:srgbClr val="FF0000"/>
-                      </a:solidFill>
-                      <a:latin typeface="Gill Sans"/>
-                      <a:cs typeface="Gill Sans"/>
-                    </a:rPr>
-                    <a:t>Result</a:t>
-                  </a:r>
-                  <a:endParaRPr lang="en-US" b="1" dirty="0">
-                    <a:solidFill>
-                      <a:srgbClr val="FF0000"/>
-                    </a:solidFill>
-                    <a:latin typeface="Gill Sans"/>
-                    <a:cs typeface="Gill Sans"/>
-                  </a:endParaRPr>
-                </a:p>
-              </p:txBody>
-            </p:sp>
-            <p:sp>
-              <p:nvSpPr>
-                <p:cNvPr id="64" name="TextBox 63"/>
-                <p:cNvSpPr txBox="1"/>
-                <p:nvPr/>
-              </p:nvSpPr>
-              <p:spPr>
-                <a:xfrm>
-                  <a:off x="6750236" y="3282400"/>
-                  <a:ext cx="941283" cy="369332"/>
-                </a:xfrm>
-                <a:prstGeom prst="rect">
-                  <a:avLst/>
-                </a:prstGeom>
-                <a:noFill/>
-              </p:spPr>
-              <p:txBody>
-                <a:bodyPr wrap="none" rtlCol="0">
-                  <a:spAutoFit/>
-                </a:bodyPr>
-                <a:lstStyle/>
-                <a:p>
-                  <a:r>
-                    <a:rPr lang="en-US" b="1" dirty="0" smtClean="0">
-                      <a:solidFill>
-                        <a:srgbClr val="FF0000"/>
-                      </a:solidFill>
-                      <a:latin typeface="Gill Sans"/>
-                      <a:cs typeface="Gill Sans"/>
-                    </a:rPr>
-                    <a:t>Result</a:t>
-                  </a:r>
-                  <a:endParaRPr lang="en-US" b="1" dirty="0">
-                    <a:solidFill>
-                      <a:srgbClr val="FF0000"/>
-                    </a:solidFill>
-                    <a:latin typeface="Gill Sans"/>
-                    <a:cs typeface="Gill Sans"/>
-                  </a:endParaRPr>
-                </a:p>
-              </p:txBody>
-            </p:sp>
-            <p:sp>
-              <p:nvSpPr>
-                <p:cNvPr id="66" name="TextBox 65"/>
-                <p:cNvSpPr txBox="1"/>
-                <p:nvPr/>
-              </p:nvSpPr>
-              <p:spPr>
-                <a:xfrm>
-                  <a:off x="10466503" y="3437836"/>
-                  <a:ext cx="941283" cy="369332"/>
-                </a:xfrm>
-                <a:prstGeom prst="rect">
-                  <a:avLst/>
-                </a:prstGeom>
-                <a:noFill/>
-              </p:spPr>
-              <p:txBody>
-                <a:bodyPr wrap="none" rtlCol="0">
-                  <a:spAutoFit/>
-                </a:bodyPr>
-                <a:lstStyle/>
-                <a:p>
-                  <a:r>
-                    <a:rPr lang="en-US" b="1" dirty="0" smtClean="0">
-                      <a:solidFill>
-                        <a:srgbClr val="FF0000"/>
-                      </a:solidFill>
-                      <a:latin typeface="Gill Sans"/>
-                      <a:cs typeface="Gill Sans"/>
-                    </a:rPr>
-                    <a:t>Result</a:t>
-                  </a:r>
-                  <a:endParaRPr lang="en-US" b="1" dirty="0">
-                    <a:solidFill>
-                      <a:srgbClr val="FF0000"/>
-                    </a:solidFill>
-                    <a:latin typeface="Gill Sans"/>
-                    <a:cs typeface="Gill Sans"/>
-                  </a:endParaRPr>
-                </a:p>
-              </p:txBody>
-            </p:sp>
-          </p:grpSp>
-          <p:sp>
-            <p:nvSpPr>
-              <p:cNvPr id="67" name="TextBox 66"/>
-              <p:cNvSpPr txBox="1"/>
-              <p:nvPr/>
-            </p:nvSpPr>
-            <p:spPr>
-              <a:xfrm>
-                <a:off x="5415687" y="3623437"/>
-                <a:ext cx="750363" cy="369332"/>
-              </a:xfrm>
-              <a:prstGeom prst="rect">
-                <a:avLst/>
-              </a:prstGeom>
-              <a:noFill/>
-            </p:spPr>
-            <p:txBody>
-              <a:bodyPr wrap="none" rtlCol="0">
-                <a:spAutoFit/>
-              </a:bodyPr>
-              <a:lstStyle/>
-              <a:p>
-                <a:r>
-                  <a:rPr lang="en-US" b="1" dirty="0" smtClean="0">
-                    <a:solidFill>
-                      <a:srgbClr val="A0B0FF"/>
-                    </a:solidFill>
-                    <a:latin typeface="Gill Sans"/>
-                    <a:cs typeface="Gill Sans"/>
-                  </a:rPr>
-                  <a:t>True</a:t>
-                </a:r>
-                <a:endParaRPr lang="en-US" b="1" dirty="0">
-                  <a:solidFill>
-                    <a:srgbClr val="A0B0FF"/>
-                  </a:solidFill>
-                  <a:latin typeface="Gill Sans"/>
-                  <a:cs typeface="Gill Sans"/>
-                </a:endParaRPr>
-              </a:p>
-            </p:txBody>
-          </p:sp>
-          <p:sp>
-            <p:nvSpPr>
-              <p:cNvPr id="69" name="TextBox 68"/>
-              <p:cNvSpPr txBox="1"/>
-              <p:nvPr/>
-            </p:nvSpPr>
-            <p:spPr>
-              <a:xfrm>
-                <a:off x="9498403" y="3644898"/>
-                <a:ext cx="750363" cy="369332"/>
-              </a:xfrm>
-              <a:prstGeom prst="rect">
-                <a:avLst/>
-              </a:prstGeom>
-              <a:noFill/>
-            </p:spPr>
-            <p:txBody>
-              <a:bodyPr wrap="none" rtlCol="0">
-                <a:spAutoFit/>
-              </a:bodyPr>
-              <a:lstStyle/>
-              <a:p>
-                <a:r>
-                  <a:rPr lang="en-US" b="1" dirty="0" smtClean="0">
-                    <a:solidFill>
-                      <a:srgbClr val="A0B0FF"/>
-                    </a:solidFill>
-                    <a:latin typeface="Gill Sans"/>
-                    <a:cs typeface="Gill Sans"/>
-                  </a:rPr>
-                  <a:t>True</a:t>
-                </a:r>
-                <a:endParaRPr lang="en-US" b="1" dirty="0">
-                  <a:solidFill>
-                    <a:srgbClr val="A0B0FF"/>
-                  </a:solidFill>
-                  <a:latin typeface="Gill Sans"/>
-                  <a:cs typeface="Gill Sans"/>
-                </a:endParaRPr>
-              </a:p>
-            </p:txBody>
-          </p:sp>
-        </p:grpSp>
         <p:sp>
           <p:nvSpPr>
-            <p:cNvPr id="6" name="TextBox 5"/>
+            <p:cNvPr id="111" name="TextBox 110"/>
             <p:cNvSpPr txBox="1"/>
             <p:nvPr/>
           </p:nvSpPr>
           <p:spPr>
             <a:xfrm>
-              <a:off x="295189" y="938458"/>
-              <a:ext cx="301660" cy="369332"/>
-            </a:xfrm>
-            <a:prstGeom prst="rect">
-              <a:avLst/>
-            </a:prstGeom>
-            <a:noFill/>
-          </p:spPr>
-          <p:txBody>
-            <a:bodyPr wrap="none" rtlCol="0">
-              <a:spAutoFit/>
-            </a:bodyPr>
-            <a:lstStyle/>
-            <a:p>
-              <a:r>
-                <a:rPr lang="en-US" dirty="0"/>
-                <a:t>1</a:t>
-              </a:r>
-              <a:endParaRPr lang="en-US" dirty="0"/>
-            </a:p>
-          </p:txBody>
-        </p:sp>
-        <p:sp>
-          <p:nvSpPr>
-            <p:cNvPr id="57" name="TextBox 56"/>
-            <p:cNvSpPr txBox="1"/>
-            <p:nvPr/>
-          </p:nvSpPr>
-          <p:spPr>
-            <a:xfrm>
-              <a:off x="1174021" y="842328"/>
-              <a:ext cx="301660" cy="369332"/>
-            </a:xfrm>
-            <a:prstGeom prst="rect">
-              <a:avLst/>
-            </a:prstGeom>
-            <a:noFill/>
-          </p:spPr>
-          <p:txBody>
-            <a:bodyPr wrap="none" rtlCol="0">
-              <a:spAutoFit/>
-            </a:bodyPr>
-            <a:lstStyle/>
-            <a:p>
-              <a:r>
-                <a:rPr lang="en-US" dirty="0"/>
-                <a:t>2</a:t>
-              </a:r>
-              <a:endParaRPr lang="en-US" dirty="0"/>
-            </a:p>
-          </p:txBody>
-        </p:sp>
-        <p:sp>
-          <p:nvSpPr>
-            <p:cNvPr id="59" name="TextBox 58"/>
-            <p:cNvSpPr txBox="1"/>
-            <p:nvPr/>
-          </p:nvSpPr>
-          <p:spPr>
-            <a:xfrm>
-              <a:off x="783570" y="1676419"/>
-              <a:ext cx="301660" cy="369332"/>
-            </a:xfrm>
-            <a:prstGeom prst="rect">
-              <a:avLst/>
-            </a:prstGeom>
-            <a:noFill/>
-          </p:spPr>
-          <p:txBody>
-            <a:bodyPr wrap="none" rtlCol="0">
-              <a:spAutoFit/>
-            </a:bodyPr>
-            <a:lstStyle/>
-            <a:p>
-              <a:r>
-                <a:rPr lang="en-US" dirty="0" smtClean="0"/>
-                <a:t>3</a:t>
-              </a:r>
-              <a:endParaRPr lang="en-US" dirty="0"/>
-            </a:p>
-          </p:txBody>
-        </p:sp>
-        <p:sp>
-          <p:nvSpPr>
-            <p:cNvPr id="62" name="TextBox 61"/>
-            <p:cNvSpPr txBox="1"/>
-            <p:nvPr/>
-          </p:nvSpPr>
-          <p:spPr>
-            <a:xfrm>
-              <a:off x="483948" y="2091691"/>
-              <a:ext cx="301660" cy="369332"/>
-            </a:xfrm>
-            <a:prstGeom prst="rect">
-              <a:avLst/>
-            </a:prstGeom>
-            <a:noFill/>
-          </p:spPr>
-          <p:txBody>
-            <a:bodyPr wrap="none" rtlCol="0">
-              <a:spAutoFit/>
-            </a:bodyPr>
-            <a:lstStyle/>
-            <a:p>
-              <a:r>
-                <a:rPr lang="en-US" dirty="0"/>
-                <a:t>4</a:t>
-              </a:r>
-              <a:endParaRPr lang="en-US" dirty="0"/>
-            </a:p>
-          </p:txBody>
-        </p:sp>
-        <p:sp>
-          <p:nvSpPr>
-            <p:cNvPr id="63" name="TextBox 62"/>
-            <p:cNvSpPr txBox="1"/>
-            <p:nvPr/>
-          </p:nvSpPr>
-          <p:spPr>
-            <a:xfrm>
-              <a:off x="354688" y="1577932"/>
-              <a:ext cx="301660" cy="369332"/>
-            </a:xfrm>
-            <a:prstGeom prst="rect">
-              <a:avLst/>
-            </a:prstGeom>
-            <a:noFill/>
-          </p:spPr>
-          <p:txBody>
-            <a:bodyPr wrap="none" rtlCol="0">
-              <a:spAutoFit/>
-            </a:bodyPr>
-            <a:lstStyle/>
-            <a:p>
-              <a:r>
-                <a:rPr lang="en-US" dirty="0" smtClean="0"/>
-                <a:t>5</a:t>
-              </a:r>
-              <a:endParaRPr lang="en-US" dirty="0"/>
-            </a:p>
-          </p:txBody>
-        </p:sp>
-        <p:sp>
-          <p:nvSpPr>
-            <p:cNvPr id="65" name="TextBox 64"/>
-            <p:cNvSpPr txBox="1"/>
-            <p:nvPr/>
-          </p:nvSpPr>
-          <p:spPr>
-            <a:xfrm>
-              <a:off x="4251775" y="916668"/>
-              <a:ext cx="301660" cy="369332"/>
-            </a:xfrm>
-            <a:prstGeom prst="rect">
-              <a:avLst/>
-            </a:prstGeom>
-            <a:noFill/>
-          </p:spPr>
-          <p:txBody>
-            <a:bodyPr wrap="none" rtlCol="0">
-              <a:spAutoFit/>
-            </a:bodyPr>
-            <a:lstStyle/>
-            <a:p>
-              <a:r>
-                <a:rPr lang="en-US" dirty="0"/>
-                <a:t>1</a:t>
-              </a:r>
-              <a:endParaRPr lang="en-US" dirty="0"/>
-            </a:p>
-          </p:txBody>
-        </p:sp>
-        <p:sp>
-          <p:nvSpPr>
-            <p:cNvPr id="70" name="TextBox 69"/>
-            <p:cNvSpPr txBox="1"/>
-            <p:nvPr/>
-          </p:nvSpPr>
-          <p:spPr>
-            <a:xfrm>
-              <a:off x="2028021" y="992081"/>
+              <a:off x="6049330" y="2309004"/>
               <a:ext cx="359256" cy="369332"/>
             </a:xfrm>
             <a:prstGeom prst="rect">
               <a:avLst/>
             </a:prstGeom>
-            <a:noFill/>
-          </p:spPr>
-          <p:txBody>
-            <a:bodyPr wrap="none" rtlCol="0">
-              <a:spAutoFit/>
-            </a:bodyPr>
-            <a:lstStyle/>
-            <a:p>
-              <a:r>
-                <a:rPr lang="en-US" dirty="0" smtClean="0"/>
-                <a:t>1’</a:t>
-              </a:r>
-              <a:endParaRPr lang="en-US" dirty="0"/>
-            </a:p>
-          </p:txBody>
-        </p:sp>
-        <p:sp>
-          <p:nvSpPr>
-            <p:cNvPr id="71" name="TextBox 70"/>
-            <p:cNvSpPr txBox="1"/>
-            <p:nvPr/>
-          </p:nvSpPr>
-          <p:spPr>
-            <a:xfrm>
-              <a:off x="2977408" y="867729"/>
-              <a:ext cx="359256" cy="369332"/>
-            </a:xfrm>
-            <a:prstGeom prst="rect">
-              <a:avLst/>
-            </a:prstGeom>
-            <a:noFill/>
-          </p:spPr>
-          <p:txBody>
-            <a:bodyPr wrap="none" rtlCol="0">
-              <a:spAutoFit/>
-            </a:bodyPr>
-            <a:lstStyle/>
-            <a:p>
-              <a:r>
-                <a:rPr lang="en-US" dirty="0" smtClean="0"/>
-                <a:t>2’</a:t>
-              </a:r>
-              <a:endParaRPr lang="en-US" dirty="0"/>
-            </a:p>
-          </p:txBody>
-        </p:sp>
-        <p:sp>
-          <p:nvSpPr>
-            <p:cNvPr id="78" name="TextBox 77"/>
-            <p:cNvSpPr txBox="1"/>
-            <p:nvPr/>
-          </p:nvSpPr>
-          <p:spPr>
-            <a:xfrm>
-              <a:off x="2516402" y="1730042"/>
-              <a:ext cx="359256" cy="369332"/>
-            </a:xfrm>
-            <a:prstGeom prst="rect">
-              <a:avLst/>
-            </a:prstGeom>
-            <a:noFill/>
-          </p:spPr>
-          <p:txBody>
-            <a:bodyPr wrap="none" rtlCol="0">
-              <a:spAutoFit/>
-            </a:bodyPr>
-            <a:lstStyle/>
-            <a:p>
-              <a:r>
-                <a:rPr lang="en-US" dirty="0" smtClean="0"/>
-                <a:t>3’</a:t>
-              </a:r>
-              <a:endParaRPr lang="en-US" dirty="0"/>
-            </a:p>
-          </p:txBody>
-        </p:sp>
-        <p:sp>
-          <p:nvSpPr>
-            <p:cNvPr id="79" name="TextBox 78"/>
-            <p:cNvSpPr txBox="1"/>
-            <p:nvPr/>
-          </p:nvSpPr>
-          <p:spPr>
-            <a:xfrm>
-              <a:off x="2216780" y="2145314"/>
-              <a:ext cx="359256" cy="369332"/>
-            </a:xfrm>
-            <a:prstGeom prst="rect">
-              <a:avLst/>
-            </a:prstGeom>
-            <a:noFill/>
+            <a:solidFill>
+              <a:schemeClr val="bg1"/>
+            </a:solidFill>
           </p:spPr>
           <p:txBody>
             <a:bodyPr wrap="none" rtlCol="0">
@@ -15206,19 +14938,21 @@
         </p:sp>
         <p:sp>
           <p:nvSpPr>
-            <p:cNvPr id="80" name="TextBox 79"/>
+            <p:cNvPr id="112" name="TextBox 111"/>
             <p:cNvSpPr txBox="1"/>
             <p:nvPr/>
           </p:nvSpPr>
           <p:spPr>
             <a:xfrm>
-              <a:off x="2087520" y="1631555"/>
+              <a:off x="5877737" y="1795245"/>
               <a:ext cx="359256" cy="369332"/>
             </a:xfrm>
             <a:prstGeom prst="rect">
               <a:avLst/>
             </a:prstGeom>
-            <a:noFill/>
+            <a:solidFill>
+              <a:schemeClr val="bg1"/>
+            </a:solidFill>
           </p:spPr>
           <p:txBody>
             <a:bodyPr wrap="none" rtlCol="0">
@@ -15236,185 +14970,318 @@
         </p:sp>
         <p:sp>
           <p:nvSpPr>
-            <p:cNvPr id="81" name="TextBox 80"/>
-            <p:cNvSpPr txBox="1"/>
+            <p:cNvPr id="113" name="Oval 112"/>
+            <p:cNvSpPr/>
             <p:nvPr/>
           </p:nvSpPr>
           <p:spPr>
             <a:xfrm>
-              <a:off x="5061447" y="924437"/>
-              <a:ext cx="301660" cy="369332"/>
+              <a:off x="5879424" y="2102725"/>
+              <a:ext cx="298809" cy="298809"/>
             </a:xfrm>
-            <a:prstGeom prst="rect">
+            <a:prstGeom prst="ellipse">
               <a:avLst/>
             </a:prstGeom>
-            <a:noFill/>
+            <a:solidFill>
+              <a:srgbClr val="00B050"/>
+            </a:solidFill>
+            <a:ln>
+              <a:noFill/>
+            </a:ln>
+            <a:effectLst/>
           </p:spPr>
+          <p:style>
+            <a:lnRef idx="1">
+              <a:schemeClr val="accent1"/>
+            </a:lnRef>
+            <a:fillRef idx="3">
+              <a:schemeClr val="accent1"/>
+            </a:fillRef>
+            <a:effectRef idx="2">
+              <a:schemeClr val="accent1"/>
+            </a:effectRef>
+            <a:fontRef idx="minor">
+              <a:schemeClr val="lt1"/>
+            </a:fontRef>
+          </p:style>
           <p:txBody>
-            <a:bodyPr wrap="none" rtlCol="0">
-              <a:spAutoFit/>
-            </a:bodyPr>
+            <a:bodyPr rtlCol="0" anchor="ctr"/>
             <a:lstStyle/>
             <a:p>
-              <a:r>
-                <a:rPr lang="en-US" dirty="0"/>
-                <a:t>2</a:t>
-              </a:r>
-              <a:endParaRPr lang="en-US" dirty="0"/>
+              <a:pPr algn="ctr"/>
+              <a:endParaRPr lang="en-US" sz="800" dirty="0"/>
             </a:p>
           </p:txBody>
         </p:sp>
         <p:sp>
           <p:nvSpPr>
-            <p:cNvPr id="82" name="TextBox 81"/>
-            <p:cNvSpPr txBox="1"/>
+            <p:cNvPr id="114" name="Oval 113"/>
+            <p:cNvSpPr/>
             <p:nvPr/>
           </p:nvSpPr>
           <p:spPr>
             <a:xfrm>
-              <a:off x="4656885" y="1814972"/>
-              <a:ext cx="301660" cy="369332"/>
+              <a:off x="6025728" y="2602597"/>
+              <a:ext cx="298809" cy="298809"/>
             </a:xfrm>
-            <a:prstGeom prst="rect">
+            <a:prstGeom prst="ellipse">
               <a:avLst/>
             </a:prstGeom>
-            <a:noFill/>
+            <a:solidFill>
+              <a:srgbClr val="00B050"/>
+            </a:solidFill>
+            <a:ln>
+              <a:noFill/>
+            </a:ln>
+            <a:effectLst/>
           </p:spPr>
+          <p:style>
+            <a:lnRef idx="1">
+              <a:schemeClr val="accent1"/>
+            </a:lnRef>
+            <a:fillRef idx="3">
+              <a:schemeClr val="accent1"/>
+            </a:fillRef>
+            <a:effectRef idx="2">
+              <a:schemeClr val="accent1"/>
+            </a:effectRef>
+            <a:fontRef idx="minor">
+              <a:schemeClr val="lt1"/>
+            </a:fontRef>
+          </p:style>
           <p:txBody>
-            <a:bodyPr wrap="none" rtlCol="0">
-              <a:spAutoFit/>
-            </a:bodyPr>
+            <a:bodyPr rtlCol="0" anchor="ctr"/>
             <a:lstStyle/>
             <a:p>
-              <a:r>
-                <a:rPr lang="en-US" dirty="0" smtClean="0"/>
-                <a:t>3</a:t>
-              </a:r>
-              <a:endParaRPr lang="en-US" dirty="0"/>
-            </a:p>
-          </p:txBody>
-        </p:sp>
-        <p:sp>
-          <p:nvSpPr>
-            <p:cNvPr id="83" name="TextBox 82"/>
-            <p:cNvSpPr txBox="1"/>
-            <p:nvPr/>
-          </p:nvSpPr>
-          <p:spPr>
-            <a:xfrm>
-              <a:off x="5896930" y="2156604"/>
-              <a:ext cx="359256" cy="369332"/>
-            </a:xfrm>
-            <a:prstGeom prst="rect">
-              <a:avLst/>
-            </a:prstGeom>
-            <a:noFill/>
-          </p:spPr>
-          <p:txBody>
-            <a:bodyPr wrap="none" rtlCol="0">
-              <a:spAutoFit/>
-            </a:bodyPr>
-            <a:lstStyle/>
-            <a:p>
-              <a:r>
-                <a:rPr lang="en-US" dirty="0" smtClean="0"/>
-                <a:t>4’</a:t>
-              </a:r>
-              <a:endParaRPr lang="en-US" dirty="0"/>
-            </a:p>
-          </p:txBody>
-        </p:sp>
-        <p:sp>
-          <p:nvSpPr>
-            <p:cNvPr id="85" name="TextBox 84"/>
-            <p:cNvSpPr txBox="1"/>
-            <p:nvPr/>
-          </p:nvSpPr>
-          <p:spPr>
-            <a:xfrm>
-              <a:off x="5725337" y="1642845"/>
-              <a:ext cx="359256" cy="369332"/>
-            </a:xfrm>
-            <a:prstGeom prst="rect">
-              <a:avLst/>
-            </a:prstGeom>
-            <a:noFill/>
-          </p:spPr>
-          <p:txBody>
-            <a:bodyPr wrap="none" rtlCol="0">
-              <a:spAutoFit/>
-            </a:bodyPr>
-            <a:lstStyle/>
-            <a:p>
-              <a:r>
-                <a:rPr lang="en-US" dirty="0" smtClean="0"/>
-                <a:t>5’</a:t>
-              </a:r>
-              <a:endParaRPr lang="en-US" dirty="0"/>
-            </a:p>
-          </p:txBody>
-        </p:sp>
-        <p:sp>
-          <p:nvSpPr>
-            <p:cNvPr id="86" name="TextBox 85"/>
-            <p:cNvSpPr txBox="1"/>
-            <p:nvPr/>
-          </p:nvSpPr>
-          <p:spPr>
-            <a:xfrm>
-              <a:off x="10339074" y="2026784"/>
-              <a:ext cx="359256" cy="369332"/>
-            </a:xfrm>
-            <a:prstGeom prst="rect">
-              <a:avLst/>
-            </a:prstGeom>
-            <a:noFill/>
-          </p:spPr>
-          <p:txBody>
-            <a:bodyPr wrap="none" rtlCol="0">
-              <a:spAutoFit/>
-            </a:bodyPr>
-            <a:lstStyle/>
-            <a:p>
-              <a:r>
-                <a:rPr lang="en-US" dirty="0" smtClean="0"/>
-                <a:t>4’</a:t>
-              </a:r>
-              <a:endParaRPr lang="en-US" dirty="0"/>
-            </a:p>
-          </p:txBody>
-        </p:sp>
-        <p:sp>
-          <p:nvSpPr>
-            <p:cNvPr id="87" name="TextBox 86"/>
-            <p:cNvSpPr txBox="1"/>
-            <p:nvPr/>
-          </p:nvSpPr>
-          <p:spPr>
-            <a:xfrm>
-              <a:off x="10167481" y="1513025"/>
-              <a:ext cx="359256" cy="369332"/>
-            </a:xfrm>
-            <a:prstGeom prst="rect">
-              <a:avLst/>
-            </a:prstGeom>
-            <a:noFill/>
-          </p:spPr>
-          <p:txBody>
-            <a:bodyPr wrap="none" rtlCol="0">
-              <a:spAutoFit/>
-            </a:bodyPr>
-            <a:lstStyle/>
-            <a:p>
-              <a:r>
-                <a:rPr lang="en-US" dirty="0" smtClean="0"/>
-                <a:t>5’</a:t>
-              </a:r>
-              <a:endParaRPr lang="en-US" dirty="0"/>
+              <a:pPr algn="ctr"/>
+              <a:endParaRPr lang="en-US"/>
             </a:p>
           </p:txBody>
         </p:sp>
       </p:grpSp>
+      <p:sp>
+        <p:nvSpPr>
+          <p:cNvPr id="133" name="Multiply 132"/>
+          <p:cNvSpPr/>
+          <p:nvPr/>
+        </p:nvSpPr>
+        <p:spPr>
+          <a:xfrm>
+            <a:off x="4174894" y="1206199"/>
+            <a:ext cx="405915" cy="405915"/>
+          </a:xfrm>
+          <a:prstGeom prst="mathMultiply">
+            <a:avLst/>
+          </a:prstGeom>
+          <a:solidFill>
+            <a:srgbClr val="CF7429"/>
+          </a:solidFill>
+          <a:ln>
+            <a:noFill/>
+          </a:ln>
+          <a:effectLst/>
+        </p:spPr>
+        <p:style>
+          <a:lnRef idx="1">
+            <a:schemeClr val="accent1"/>
+          </a:lnRef>
+          <a:fillRef idx="3">
+            <a:schemeClr val="accent1"/>
+          </a:fillRef>
+          <a:effectRef idx="2">
+            <a:schemeClr val="accent1"/>
+          </a:effectRef>
+          <a:fontRef idx="minor">
+            <a:schemeClr val="lt1"/>
+          </a:fontRef>
+        </p:style>
+        <p:txBody>
+          <a:bodyPr rtlCol="0" anchor="ctr"/>
+          <a:lstStyle/>
+          <a:p>
+            <a:pPr algn="ctr"/>
+            <a:endParaRPr lang="en-US"/>
+          </a:p>
+        </p:txBody>
+      </p:sp>
+      <p:sp>
+        <p:nvSpPr>
+          <p:cNvPr id="136" name="Multiply 135"/>
+          <p:cNvSpPr/>
+          <p:nvPr/>
+        </p:nvSpPr>
+        <p:spPr>
+          <a:xfrm>
+            <a:off x="4633024" y="1967471"/>
+            <a:ext cx="405915" cy="405915"/>
+          </a:xfrm>
+          <a:prstGeom prst="mathMultiply">
+            <a:avLst/>
+          </a:prstGeom>
+          <a:solidFill>
+            <a:srgbClr val="CF7429"/>
+          </a:solidFill>
+          <a:ln>
+            <a:noFill/>
+          </a:ln>
+          <a:effectLst/>
+        </p:spPr>
+        <p:style>
+          <a:lnRef idx="1">
+            <a:schemeClr val="accent1"/>
+          </a:lnRef>
+          <a:fillRef idx="3">
+            <a:schemeClr val="accent1"/>
+          </a:fillRef>
+          <a:effectRef idx="2">
+            <a:schemeClr val="accent1"/>
+          </a:effectRef>
+          <a:fontRef idx="minor">
+            <a:schemeClr val="lt1"/>
+          </a:fontRef>
+        </p:style>
+        <p:txBody>
+          <a:bodyPr rtlCol="0" anchor="ctr"/>
+          <a:lstStyle/>
+          <a:p>
+            <a:pPr algn="ctr"/>
+            <a:endParaRPr lang="en-US"/>
+          </a:p>
+        </p:txBody>
+      </p:sp>
+      <p:sp>
+        <p:nvSpPr>
+          <p:cNvPr id="137" name="Multiply 136"/>
+          <p:cNvSpPr/>
+          <p:nvPr/>
+        </p:nvSpPr>
+        <p:spPr>
+          <a:xfrm>
+            <a:off x="4986724" y="1107430"/>
+            <a:ext cx="405915" cy="405915"/>
+          </a:xfrm>
+          <a:prstGeom prst="mathMultiply">
+            <a:avLst/>
+          </a:prstGeom>
+          <a:solidFill>
+            <a:srgbClr val="CF7429"/>
+          </a:solidFill>
+          <a:ln>
+            <a:noFill/>
+          </a:ln>
+          <a:effectLst/>
+        </p:spPr>
+        <p:style>
+          <a:lnRef idx="1">
+            <a:schemeClr val="accent1"/>
+          </a:lnRef>
+          <a:fillRef idx="3">
+            <a:schemeClr val="accent1"/>
+          </a:fillRef>
+          <a:effectRef idx="2">
+            <a:schemeClr val="accent1"/>
+          </a:effectRef>
+          <a:fontRef idx="minor">
+            <a:schemeClr val="lt1"/>
+          </a:fontRef>
+        </p:style>
+        <p:txBody>
+          <a:bodyPr rtlCol="0" anchor="ctr"/>
+          <a:lstStyle/>
+          <a:p>
+            <a:pPr algn="ctr"/>
+            <a:endParaRPr lang="en-US"/>
+          </a:p>
+        </p:txBody>
+      </p:sp>
+      <p:sp>
+        <p:nvSpPr>
+          <p:cNvPr id="138" name="TextBox 137"/>
+          <p:cNvSpPr txBox="1"/>
+          <p:nvPr/>
+        </p:nvSpPr>
+        <p:spPr>
+          <a:xfrm>
+            <a:off x="4227109" y="944554"/>
+            <a:ext cx="301660" cy="369332"/>
+          </a:xfrm>
+          <a:prstGeom prst="rect">
+            <a:avLst/>
+          </a:prstGeom>
+          <a:noFill/>
+        </p:spPr>
+        <p:txBody>
+          <a:bodyPr wrap="none" rtlCol="0">
+            <a:spAutoFit/>
+          </a:bodyPr>
+          <a:lstStyle/>
+          <a:p>
+            <a:r>
+              <a:rPr lang="en-US" dirty="0"/>
+              <a:t>1</a:t>
+            </a:r>
+          </a:p>
+        </p:txBody>
+      </p:sp>
+      <p:sp>
+        <p:nvSpPr>
+          <p:cNvPr id="139" name="TextBox 138"/>
+          <p:cNvSpPr txBox="1"/>
+          <p:nvPr/>
+        </p:nvSpPr>
+        <p:spPr>
+          <a:xfrm>
+            <a:off x="5105941" y="848424"/>
+            <a:ext cx="301660" cy="369332"/>
+          </a:xfrm>
+          <a:prstGeom prst="rect">
+            <a:avLst/>
+          </a:prstGeom>
+          <a:noFill/>
+        </p:spPr>
+        <p:txBody>
+          <a:bodyPr wrap="none" rtlCol="0">
+            <a:spAutoFit/>
+          </a:bodyPr>
+          <a:lstStyle/>
+          <a:p>
+            <a:r>
+              <a:rPr lang="en-US" dirty="0"/>
+              <a:t>2</a:t>
+            </a:r>
+          </a:p>
+        </p:txBody>
+      </p:sp>
+      <p:sp>
+        <p:nvSpPr>
+          <p:cNvPr id="140" name="TextBox 139"/>
+          <p:cNvSpPr txBox="1"/>
+          <p:nvPr/>
+        </p:nvSpPr>
+        <p:spPr>
+          <a:xfrm>
+            <a:off x="4715490" y="1682515"/>
+            <a:ext cx="301660" cy="369332"/>
+          </a:xfrm>
+          <a:prstGeom prst="rect">
+            <a:avLst/>
+          </a:prstGeom>
+          <a:noFill/>
+        </p:spPr>
+        <p:txBody>
+          <a:bodyPr wrap="none" rtlCol="0">
+            <a:spAutoFit/>
+          </a:bodyPr>
+          <a:lstStyle/>
+          <a:p>
+            <a:r>
+              <a:rPr lang="en-US" dirty="0" smtClean="0"/>
+              <a:t>3</a:t>
+            </a:r>
+            <a:endParaRPr lang="en-US" dirty="0"/>
+          </a:p>
+        </p:txBody>
+      </p:sp>
     </p:spTree>
     <p:extLst>
       <p:ext uri="{BB962C8B-B14F-4D97-AF65-F5344CB8AC3E}">

--- a/figs/figs.pptx
+++ b/figs/figs.pptx
@@ -13993,7 +13993,7 @@
         </p:nvSpPr>
         <p:spPr>
           <a:xfrm>
-            <a:off x="2689087" y="3684859"/>
+            <a:off x="2689087" y="3699902"/>
             <a:ext cx="684803" cy="369332"/>
           </a:xfrm>
           <a:prstGeom prst="rect">
@@ -14101,7 +14101,7 @@
         </p:nvSpPr>
         <p:spPr>
           <a:xfrm>
-            <a:off x="1072169" y="3764921"/>
+            <a:off x="1200761" y="3699902"/>
             <a:ext cx="750363" cy="369332"/>
           </a:xfrm>
           <a:prstGeom prst="rect">
@@ -14143,7 +14143,7 @@
         </p:nvSpPr>
         <p:spPr>
           <a:xfrm>
-            <a:off x="-6883" y="2713725"/>
+            <a:off x="-6883" y="2954059"/>
             <a:ext cx="941283" cy="369332"/>
           </a:xfrm>
           <a:prstGeom prst="rect">
@@ -14185,13 +14185,12 @@
         </p:nvSpPr>
         <p:spPr>
           <a:xfrm>
-            <a:off x="6444248" y="3402423"/>
+            <a:off x="6387096" y="2954059"/>
             <a:ext cx="941283" cy="369332"/>
           </a:xfrm>
           <a:prstGeom prst="rect">
             <a:avLst/>
           </a:prstGeom>
-          <a:noFill/>
         </p:spPr>
         <p:txBody>
           <a:bodyPr wrap="none" rtlCol="0">
@@ -14227,13 +14226,12 @@
         </p:nvSpPr>
         <p:spPr>
           <a:xfrm>
-            <a:off x="10160515" y="3557859"/>
+            <a:off x="9903331" y="2954059"/>
             <a:ext cx="941283" cy="369332"/>
           </a:xfrm>
           <a:prstGeom prst="rect">
             <a:avLst/>
           </a:prstGeom>
-          <a:noFill/>
         </p:spPr>
         <p:txBody>
           <a:bodyPr wrap="none" rtlCol="0">
@@ -14269,7 +14267,7 @@
         </p:nvSpPr>
         <p:spPr>
           <a:xfrm>
-            <a:off x="5109699" y="3743460"/>
+            <a:off x="5238291" y="3699902"/>
             <a:ext cx="750363" cy="369332"/>
           </a:xfrm>
           <a:prstGeom prst="rect">
@@ -14311,7 +14309,7 @@
         </p:nvSpPr>
         <p:spPr>
           <a:xfrm>
-            <a:off x="9192415" y="3764921"/>
+            <a:off x="9321007" y="3699902"/>
             <a:ext cx="750363" cy="369332"/>
           </a:xfrm>
           <a:prstGeom prst="rect">
@@ -14851,7 +14849,7 @@
         </p:nvSpPr>
         <p:spPr>
           <a:xfrm>
-            <a:off x="2377907" y="3663459"/>
+            <a:off x="2377907" y="3681611"/>
             <a:ext cx="405915" cy="405915"/>
           </a:xfrm>
           <a:prstGeom prst="mathMultiply">
